--- a/docs/mockup.pptx
+++ b/docs/mockup.pptx
@@ -136,7 +136,7 @@
         </p:nvSpPr>
         <p:spPr>
           <a:xfrm>
-            <a:off x="514350" y="3077282"/>
+            <a:off x="514350" y="3077284"/>
             <a:ext cx="5829300" cy="2123369"/>
           </a:xfrm>
         </p:spPr>
@@ -164,7 +164,7 @@
         </p:nvSpPr>
         <p:spPr>
           <a:xfrm>
-            <a:off x="1028700" y="5613400"/>
+            <a:off x="1028700" y="5613402"/>
             <a:ext cx="4800600" cy="2531533"/>
           </a:xfrm>
         </p:spPr>
@@ -576,7 +576,7 @@
         </p:nvSpPr>
         <p:spPr>
           <a:xfrm>
-            <a:off x="257175" y="573264"/>
+            <a:off x="257176" y="573264"/>
             <a:ext cx="3357563" cy="12208228"/>
           </a:xfrm>
         </p:spPr>
@@ -898,7 +898,7 @@
         </p:nvSpPr>
         <p:spPr>
           <a:xfrm>
-            <a:off x="541735" y="6365523"/>
+            <a:off x="541735" y="6365524"/>
             <a:ext cx="5829300" cy="1967442"/>
           </a:xfrm>
         </p:spPr>
@@ -930,7 +930,7 @@
         </p:nvSpPr>
         <p:spPr>
           <a:xfrm>
-            <a:off x="541735" y="4198586"/>
+            <a:off x="541735" y="4198587"/>
             <a:ext cx="5829300" cy="2166937"/>
           </a:xfrm>
         </p:spPr>
@@ -1167,7 +1167,7 @@
         </p:nvSpPr>
         <p:spPr>
           <a:xfrm>
-            <a:off x="257175" y="3338690"/>
+            <a:off x="257179" y="3338691"/>
             <a:ext cx="2257425" cy="9442803"/>
           </a:xfrm>
         </p:spPr>
@@ -1252,7 +1252,7 @@
         </p:nvSpPr>
         <p:spPr>
           <a:xfrm>
-            <a:off x="2628900" y="3338690"/>
+            <a:off x="2628904" y="3338691"/>
             <a:ext cx="2257425" cy="9442803"/>
           </a:xfrm>
         </p:spPr>
@@ -1432,7 +1432,7 @@
         </p:nvSpPr>
         <p:spPr>
           <a:xfrm>
-            <a:off x="342900" y="396699"/>
+            <a:off x="342900" y="396700"/>
             <a:ext cx="6172200" cy="1651000"/>
           </a:xfrm>
         </p:spPr>
@@ -1464,7 +1464,7 @@
         </p:nvSpPr>
         <p:spPr>
           <a:xfrm>
-            <a:off x="342900" y="2217385"/>
+            <a:off x="342900" y="2217387"/>
             <a:ext cx="3030141" cy="924101"/>
           </a:xfrm>
         </p:spPr>
@@ -1529,7 +1529,7 @@
         </p:nvSpPr>
         <p:spPr>
           <a:xfrm>
-            <a:off x="342900" y="3141486"/>
+            <a:off x="342900" y="3141487"/>
             <a:ext cx="3030141" cy="5707416"/>
           </a:xfrm>
         </p:spPr>
@@ -1614,7 +1614,7 @@
         </p:nvSpPr>
         <p:spPr>
           <a:xfrm>
-            <a:off x="3483769" y="2217385"/>
+            <a:off x="3483773" y="2217387"/>
             <a:ext cx="3031331" cy="924101"/>
           </a:xfrm>
         </p:spPr>
@@ -1679,7 +1679,7 @@
         </p:nvSpPr>
         <p:spPr>
           <a:xfrm>
-            <a:off x="3483769" y="3141486"/>
+            <a:off x="3483773" y="3141487"/>
             <a:ext cx="3031331" cy="5707416"/>
           </a:xfrm>
         </p:spPr>
@@ -2072,7 +2072,7 @@
         </p:nvSpPr>
         <p:spPr>
           <a:xfrm>
-            <a:off x="342900" y="394405"/>
+            <a:off x="342904" y="394406"/>
             <a:ext cx="2256235" cy="1678517"/>
           </a:xfrm>
         </p:spPr>
@@ -2104,7 +2104,7 @@
         </p:nvSpPr>
         <p:spPr>
           <a:xfrm>
-            <a:off x="2681287" y="394406"/>
+            <a:off x="2681291" y="394408"/>
             <a:ext cx="3833813" cy="8454497"/>
           </a:xfrm>
         </p:spPr>
@@ -2189,7 +2189,7 @@
         </p:nvSpPr>
         <p:spPr>
           <a:xfrm>
-            <a:off x="342900" y="2072923"/>
+            <a:off x="342904" y="2072923"/>
             <a:ext cx="2256235" cy="6775980"/>
           </a:xfrm>
         </p:spPr>
@@ -2381,7 +2381,7 @@
         </p:nvSpPr>
         <p:spPr>
           <a:xfrm>
-            <a:off x="1344216" y="885119"/>
+            <a:off x="1344216" y="885120"/>
             <a:ext cx="4114800" cy="5943600"/>
           </a:xfrm>
         </p:spPr>
@@ -2442,7 +2442,7 @@
         </p:nvSpPr>
         <p:spPr>
           <a:xfrm>
-            <a:off x="1344216" y="7752822"/>
+            <a:off x="1344216" y="7752823"/>
             <a:ext cx="4114800" cy="1162578"/>
           </a:xfrm>
         </p:spPr>
@@ -2607,7 +2607,7 @@
         </p:nvSpPr>
         <p:spPr>
           <a:xfrm>
-            <a:off x="342900" y="396699"/>
+            <a:off x="342900" y="396700"/>
             <a:ext cx="6172200" cy="1651000"/>
           </a:xfrm>
           <a:prstGeom prst="rect">
@@ -2702,7 +2702,7 @@
         </p:nvSpPr>
         <p:spPr>
           <a:xfrm>
-            <a:off x="342900" y="9181395"/>
+            <a:off x="342900" y="9181396"/>
             <a:ext cx="1600200" cy="527403"/>
           </a:xfrm>
           <a:prstGeom prst="rect">
@@ -2743,7 +2743,7 @@
         </p:nvSpPr>
         <p:spPr>
           <a:xfrm>
-            <a:off x="2343150" y="9181395"/>
+            <a:off x="2343150" y="9181396"/>
             <a:ext cx="2171700" cy="527403"/>
           </a:xfrm>
           <a:prstGeom prst="rect">
@@ -2780,7 +2780,7 @@
         </p:nvSpPr>
         <p:spPr>
           <a:xfrm>
-            <a:off x="4914900" y="9181395"/>
+            <a:off x="4914900" y="9181396"/>
             <a:ext cx="1600200" cy="527403"/>
           </a:xfrm>
           <a:prstGeom prst="rect">
@@ -3151,7 +3151,7 @@
         </p:blipFill>
         <p:spPr>
           <a:xfrm>
-            <a:off x="0" y="2182449"/>
+            <a:off x="0" y="2182451"/>
             <a:ext cx="6858000" cy="3291565"/>
           </a:xfrm>
           <a:prstGeom prst="rect">
@@ -3180,7 +3180,7 @@
         </p:blipFill>
         <p:spPr>
           <a:xfrm>
-            <a:off x="0" y="5474439"/>
+            <a:off x="0" y="5474440"/>
             <a:ext cx="6858000" cy="3183980"/>
           </a:xfrm>
           <a:prstGeom prst="rect">
@@ -3196,8 +3196,8 @@
         </p:nvSpPr>
         <p:spPr>
           <a:xfrm>
-            <a:off x="553357" y="1588603"/>
-            <a:ext cx="5751286" cy="5160420"/>
+            <a:off x="254000" y="1588603"/>
+            <a:ext cx="6350000" cy="6255220"/>
           </a:xfrm>
           <a:prstGeom prst="rect">
             <a:avLst/>
@@ -3229,7 +3229,7 @@
           <a:lstStyle/>
           <a:p>
             <a:pPr algn="ctr"/>
-            <a:endParaRPr lang="en-US"/>
+            <a:endParaRPr lang="en-US" noProof="1"/>
           </a:p>
         </p:txBody>
       </p:sp>
@@ -3241,7 +3241,7 @@
         </p:nvSpPr>
         <p:spPr>
           <a:xfrm>
-            <a:off x="761999" y="1588602"/>
+            <a:off x="762003" y="1588603"/>
             <a:ext cx="3093357" cy="1061829"/>
           </a:xfrm>
           <a:prstGeom prst="rect">
@@ -3258,582 +3258,10 @@
           <a:lstStyle/>
           <a:p>
             <a:r>
-              <a:rPr lang="en-US" sz="700" dirty="0" err="1" smtClean="0"/>
-              <a:t>Lorem</a:t>
-            </a:r>
-            <a:r>
-              <a:rPr lang="en-US" sz="700" dirty="0" smtClean="0"/>
-              <a:t> </a:t>
-            </a:r>
-            <a:r>
-              <a:rPr lang="en-US" sz="700" dirty="0" err="1" smtClean="0"/>
-              <a:t>ipsum</a:t>
-            </a:r>
-            <a:r>
-              <a:rPr lang="en-US" sz="700" dirty="0" smtClean="0"/>
-              <a:t> dolor sit </a:t>
-            </a:r>
-            <a:r>
-              <a:rPr lang="en-US" sz="700" dirty="0" err="1" smtClean="0"/>
-              <a:t>amet</a:t>
-            </a:r>
-            <a:r>
-              <a:rPr lang="en-US" sz="700" dirty="0" smtClean="0"/>
-              <a:t>, </a:t>
-            </a:r>
-            <a:r>
-              <a:rPr lang="en-US" sz="700" dirty="0" err="1" smtClean="0"/>
-              <a:t>consectetur</a:t>
-            </a:r>
-            <a:r>
-              <a:rPr lang="en-US" sz="700" dirty="0" smtClean="0"/>
-              <a:t> </a:t>
-            </a:r>
-            <a:r>
-              <a:rPr lang="en-US" sz="700" dirty="0" err="1" smtClean="0"/>
-              <a:t>adipiscing</a:t>
-            </a:r>
-            <a:r>
-              <a:rPr lang="en-US" sz="700" dirty="0" smtClean="0"/>
-              <a:t> </a:t>
-            </a:r>
-            <a:r>
-              <a:rPr lang="en-US" sz="700" dirty="0" err="1" smtClean="0"/>
-              <a:t>elit</a:t>
-            </a:r>
-            <a:r>
-              <a:rPr lang="en-US" sz="700" dirty="0" smtClean="0"/>
-              <a:t>. </a:t>
-            </a:r>
-            <a:r>
-              <a:rPr lang="en-US" sz="700" dirty="0" err="1" smtClean="0"/>
-              <a:t>Cras</a:t>
-            </a:r>
-            <a:r>
-              <a:rPr lang="en-US" sz="700" dirty="0" smtClean="0"/>
-              <a:t> at </a:t>
-            </a:r>
-            <a:r>
-              <a:rPr lang="en-US" sz="700" dirty="0" err="1" smtClean="0"/>
-              <a:t>porta</a:t>
-            </a:r>
-            <a:r>
-              <a:rPr lang="en-US" sz="700" dirty="0" smtClean="0"/>
-              <a:t> </a:t>
-            </a:r>
-            <a:r>
-              <a:rPr lang="en-US" sz="700" dirty="0" err="1" smtClean="0"/>
-              <a:t>orci</a:t>
-            </a:r>
-            <a:r>
-              <a:rPr lang="en-US" sz="700" dirty="0" smtClean="0"/>
-              <a:t>, et </a:t>
-            </a:r>
-            <a:r>
-              <a:rPr lang="en-US" sz="700" dirty="0" err="1" smtClean="0"/>
-              <a:t>porttitor</a:t>
-            </a:r>
-            <a:r>
-              <a:rPr lang="en-US" sz="700" dirty="0" smtClean="0"/>
-              <a:t> </a:t>
-            </a:r>
-            <a:r>
-              <a:rPr lang="en-US" sz="700" dirty="0" err="1" smtClean="0"/>
-              <a:t>justo</a:t>
-            </a:r>
-            <a:r>
-              <a:rPr lang="en-US" sz="700" dirty="0" smtClean="0"/>
-              <a:t>. </a:t>
-            </a:r>
-            <a:r>
-              <a:rPr lang="en-US" sz="700" dirty="0" err="1" smtClean="0"/>
-              <a:t>Proin</a:t>
-            </a:r>
-            <a:r>
-              <a:rPr lang="en-US" sz="700" dirty="0" smtClean="0"/>
-              <a:t> </a:t>
-            </a:r>
-            <a:r>
-              <a:rPr lang="en-US" sz="700" dirty="0" err="1" smtClean="0"/>
-              <a:t>molestie</a:t>
-            </a:r>
-            <a:r>
-              <a:rPr lang="en-US" sz="700" dirty="0" smtClean="0"/>
-              <a:t> </a:t>
-            </a:r>
-            <a:r>
-              <a:rPr lang="en-US" sz="700" dirty="0" err="1" smtClean="0"/>
-              <a:t>ornare</a:t>
-            </a:r>
-            <a:r>
-              <a:rPr lang="en-US" sz="700" dirty="0" smtClean="0"/>
-              <a:t> </a:t>
-            </a:r>
-            <a:r>
-              <a:rPr lang="en-US" sz="700" dirty="0" err="1" smtClean="0"/>
-              <a:t>elit</a:t>
-            </a:r>
-            <a:r>
-              <a:rPr lang="en-US" sz="700" dirty="0" smtClean="0"/>
-              <a:t>, sit </a:t>
-            </a:r>
-            <a:r>
-              <a:rPr lang="en-US" sz="700" dirty="0" err="1" smtClean="0"/>
-              <a:t>amet</a:t>
-            </a:r>
-            <a:r>
-              <a:rPr lang="en-US" sz="700" dirty="0" smtClean="0"/>
-              <a:t> </a:t>
-            </a:r>
-            <a:r>
-              <a:rPr lang="en-US" sz="700" dirty="0" err="1" smtClean="0"/>
-              <a:t>commodo</a:t>
-            </a:r>
-            <a:r>
-              <a:rPr lang="en-US" sz="700" dirty="0" smtClean="0"/>
-              <a:t> </a:t>
-            </a:r>
-            <a:r>
-              <a:rPr lang="en-US" sz="700" dirty="0" err="1" smtClean="0"/>
-              <a:t>est</a:t>
-            </a:r>
-            <a:r>
-              <a:rPr lang="en-US" sz="700" dirty="0" smtClean="0"/>
-              <a:t> semper sit </a:t>
-            </a:r>
-            <a:r>
-              <a:rPr lang="en-US" sz="700" dirty="0" err="1" smtClean="0"/>
-              <a:t>amet</a:t>
-            </a:r>
-            <a:r>
-              <a:rPr lang="en-US" sz="700" dirty="0" smtClean="0"/>
-              <a:t>. </a:t>
-            </a:r>
-            <a:r>
-              <a:rPr lang="en-US" sz="700" dirty="0" err="1" smtClean="0"/>
-              <a:t>Vestibulum</a:t>
-            </a:r>
-            <a:r>
-              <a:rPr lang="en-US" sz="700" dirty="0" smtClean="0"/>
-              <a:t> </a:t>
-            </a:r>
-            <a:r>
-              <a:rPr lang="en-US" sz="700" dirty="0" err="1" smtClean="0"/>
-              <a:t>eget</a:t>
-            </a:r>
-            <a:r>
-              <a:rPr lang="en-US" sz="700" dirty="0" smtClean="0"/>
-              <a:t> </a:t>
-            </a:r>
-            <a:r>
-              <a:rPr lang="en-US" sz="700" dirty="0" err="1" smtClean="0"/>
-              <a:t>accumsan</a:t>
-            </a:r>
-            <a:r>
-              <a:rPr lang="en-US" sz="700" dirty="0" smtClean="0"/>
-              <a:t> </a:t>
-            </a:r>
-            <a:r>
-              <a:rPr lang="en-US" sz="700" dirty="0" err="1" smtClean="0"/>
-              <a:t>eros</a:t>
-            </a:r>
-            <a:r>
-              <a:rPr lang="en-US" sz="700" dirty="0" smtClean="0"/>
-              <a:t>, a </a:t>
-            </a:r>
-            <a:r>
-              <a:rPr lang="en-US" sz="700" dirty="0" err="1" smtClean="0"/>
-              <a:t>convallis</a:t>
-            </a:r>
-            <a:r>
-              <a:rPr lang="en-US" sz="700" dirty="0" smtClean="0"/>
-              <a:t> </a:t>
-            </a:r>
-            <a:r>
-              <a:rPr lang="en-US" sz="700" dirty="0" err="1" smtClean="0"/>
-              <a:t>enim</a:t>
-            </a:r>
-            <a:r>
-              <a:rPr lang="en-US" sz="700" dirty="0" smtClean="0"/>
-              <a:t>. </a:t>
-            </a:r>
-            <a:r>
-              <a:rPr lang="en-US" sz="700" dirty="0" err="1" smtClean="0"/>
-              <a:t>Praesent</a:t>
-            </a:r>
-            <a:r>
-              <a:rPr lang="en-US" sz="700" dirty="0" smtClean="0"/>
-              <a:t> </a:t>
-            </a:r>
-            <a:r>
-              <a:rPr lang="en-US" sz="700" dirty="0" err="1" smtClean="0"/>
-              <a:t>eget</a:t>
-            </a:r>
-            <a:r>
-              <a:rPr lang="en-US" sz="700" dirty="0" smtClean="0"/>
-              <a:t> </a:t>
-            </a:r>
-            <a:r>
-              <a:rPr lang="en-US" sz="700" dirty="0" err="1" smtClean="0"/>
-              <a:t>fermentum</a:t>
-            </a:r>
-            <a:r>
-              <a:rPr lang="en-US" sz="700" dirty="0" smtClean="0"/>
-              <a:t> </a:t>
-            </a:r>
-            <a:r>
-              <a:rPr lang="en-US" sz="700" dirty="0" err="1" smtClean="0"/>
-              <a:t>arcu</a:t>
-            </a:r>
-            <a:r>
-              <a:rPr lang="en-US" sz="700" dirty="0" smtClean="0"/>
-              <a:t>, </a:t>
-            </a:r>
-            <a:r>
-              <a:rPr lang="en-US" sz="700" dirty="0" err="1" smtClean="0"/>
-              <a:t>sed</a:t>
-            </a:r>
-            <a:r>
-              <a:rPr lang="en-US" sz="700" dirty="0" smtClean="0"/>
-              <a:t> </a:t>
-            </a:r>
-            <a:r>
-              <a:rPr lang="en-US" sz="700" dirty="0" err="1" smtClean="0"/>
-              <a:t>ullamcorper</a:t>
-            </a:r>
-            <a:r>
-              <a:rPr lang="en-US" sz="700" dirty="0" smtClean="0"/>
-              <a:t> </a:t>
-            </a:r>
-            <a:r>
-              <a:rPr lang="en-US" sz="700" dirty="0" err="1" smtClean="0"/>
-              <a:t>nisl</a:t>
-            </a:r>
-            <a:r>
-              <a:rPr lang="en-US" sz="700" dirty="0" smtClean="0"/>
-              <a:t>. Class </a:t>
-            </a:r>
-            <a:r>
-              <a:rPr lang="en-US" sz="700" dirty="0" err="1" smtClean="0"/>
-              <a:t>aptent</a:t>
-            </a:r>
-            <a:r>
-              <a:rPr lang="en-US" sz="700" dirty="0" smtClean="0"/>
-              <a:t> </a:t>
-            </a:r>
-            <a:r>
-              <a:rPr lang="en-US" sz="700" dirty="0" err="1" smtClean="0"/>
-              <a:t>taciti</a:t>
-            </a:r>
-            <a:r>
-              <a:rPr lang="en-US" sz="700" dirty="0" smtClean="0"/>
-              <a:t> </a:t>
-            </a:r>
-            <a:r>
-              <a:rPr lang="en-US" sz="700" dirty="0" err="1" smtClean="0"/>
-              <a:t>sociosqu</a:t>
-            </a:r>
-            <a:r>
-              <a:rPr lang="en-US" sz="700" dirty="0" smtClean="0"/>
-              <a:t> ad </a:t>
-            </a:r>
-            <a:r>
-              <a:rPr lang="en-US" sz="700" dirty="0" err="1" smtClean="0"/>
-              <a:t>litora</a:t>
-            </a:r>
-            <a:r>
-              <a:rPr lang="en-US" sz="700" dirty="0" smtClean="0"/>
-              <a:t> </a:t>
-            </a:r>
-            <a:r>
-              <a:rPr lang="en-US" sz="700" dirty="0" err="1" smtClean="0"/>
-              <a:t>torquent</a:t>
-            </a:r>
-            <a:r>
-              <a:rPr lang="en-US" sz="700" dirty="0" smtClean="0"/>
-              <a:t> per </a:t>
-            </a:r>
-            <a:r>
-              <a:rPr lang="en-US" sz="700" dirty="0" err="1" smtClean="0"/>
-              <a:t>conubia</a:t>
-            </a:r>
-            <a:r>
-              <a:rPr lang="en-US" sz="700" dirty="0" smtClean="0"/>
-              <a:t> nostra, per </a:t>
-            </a:r>
-            <a:r>
-              <a:rPr lang="en-US" sz="700" dirty="0" err="1" smtClean="0"/>
-              <a:t>inceptos</a:t>
-            </a:r>
-            <a:r>
-              <a:rPr lang="en-US" sz="700" dirty="0" smtClean="0"/>
-              <a:t> </a:t>
-            </a:r>
-            <a:r>
-              <a:rPr lang="en-US" sz="700" dirty="0" err="1" smtClean="0"/>
-              <a:t>himenaeos</a:t>
-            </a:r>
-            <a:r>
-              <a:rPr lang="en-US" sz="700" dirty="0" smtClean="0"/>
-              <a:t>. </a:t>
-            </a:r>
-            <a:r>
-              <a:rPr lang="en-US" sz="700" dirty="0" err="1" smtClean="0"/>
-              <a:t>Sed</a:t>
-            </a:r>
-            <a:r>
-              <a:rPr lang="en-US" sz="700" dirty="0" smtClean="0"/>
-              <a:t> </a:t>
-            </a:r>
-            <a:r>
-              <a:rPr lang="en-US" sz="700" dirty="0" err="1" smtClean="0"/>
-              <a:t>vel</a:t>
-            </a:r>
-            <a:r>
-              <a:rPr lang="en-US" sz="700" dirty="0" smtClean="0"/>
-              <a:t> </a:t>
-            </a:r>
-            <a:r>
-              <a:rPr lang="en-US" sz="700" dirty="0" err="1" smtClean="0"/>
-              <a:t>urna</a:t>
-            </a:r>
-            <a:r>
-              <a:rPr lang="en-US" sz="700" dirty="0" smtClean="0"/>
-              <a:t> </a:t>
-            </a:r>
-            <a:r>
-              <a:rPr lang="en-US" sz="700" dirty="0" err="1" smtClean="0"/>
-              <a:t>augue</a:t>
-            </a:r>
-            <a:r>
-              <a:rPr lang="en-US" sz="700" dirty="0" smtClean="0"/>
-              <a:t>. Class </a:t>
-            </a:r>
-            <a:r>
-              <a:rPr lang="en-US" sz="700" dirty="0" err="1" smtClean="0"/>
-              <a:t>aptent</a:t>
-            </a:r>
-            <a:r>
-              <a:rPr lang="en-US" sz="700" dirty="0" smtClean="0"/>
-              <a:t> </a:t>
-            </a:r>
-            <a:r>
-              <a:rPr lang="en-US" sz="700" dirty="0" err="1" smtClean="0"/>
-              <a:t>taciti</a:t>
-            </a:r>
-            <a:r>
-              <a:rPr lang="en-US" sz="700" dirty="0" smtClean="0"/>
-              <a:t> </a:t>
-            </a:r>
-            <a:r>
-              <a:rPr lang="en-US" sz="700" dirty="0" err="1" smtClean="0"/>
-              <a:t>sociosqu</a:t>
-            </a:r>
-            <a:r>
-              <a:rPr lang="en-US" sz="700" dirty="0" smtClean="0"/>
-              <a:t> ad </a:t>
-            </a:r>
-            <a:r>
-              <a:rPr lang="en-US" sz="700" dirty="0" err="1" smtClean="0"/>
-              <a:t>litora</a:t>
-            </a:r>
-            <a:r>
-              <a:rPr lang="en-US" sz="700" dirty="0" smtClean="0"/>
-              <a:t> </a:t>
-            </a:r>
-            <a:r>
-              <a:rPr lang="en-US" sz="700" dirty="0" err="1" smtClean="0"/>
-              <a:t>torquent</a:t>
-            </a:r>
-            <a:r>
-              <a:rPr lang="en-US" sz="700" dirty="0" smtClean="0"/>
-              <a:t> per </a:t>
-            </a:r>
-            <a:r>
-              <a:rPr lang="en-US" sz="700" dirty="0" err="1" smtClean="0"/>
-              <a:t>conubia</a:t>
-            </a:r>
-            <a:r>
-              <a:rPr lang="en-US" sz="700" dirty="0" smtClean="0"/>
-              <a:t> nostra, per </a:t>
-            </a:r>
-            <a:r>
-              <a:rPr lang="en-US" sz="700" dirty="0" err="1" smtClean="0"/>
-              <a:t>inceptos</a:t>
-            </a:r>
-            <a:r>
-              <a:rPr lang="en-US" sz="700" dirty="0" smtClean="0"/>
-              <a:t> </a:t>
-            </a:r>
-            <a:r>
-              <a:rPr lang="en-US" sz="700" dirty="0" err="1" smtClean="0"/>
-              <a:t>himenaeos</a:t>
-            </a:r>
-            <a:r>
-              <a:rPr lang="en-US" sz="700" dirty="0" smtClean="0"/>
-              <a:t>. </a:t>
-            </a:r>
-            <a:r>
-              <a:rPr lang="en-US" sz="700" dirty="0" err="1" smtClean="0"/>
-              <a:t>Donec</a:t>
-            </a:r>
-            <a:r>
-              <a:rPr lang="en-US" sz="700" dirty="0" smtClean="0"/>
-              <a:t> vitae </a:t>
-            </a:r>
-            <a:r>
-              <a:rPr lang="en-US" sz="700" dirty="0" err="1" smtClean="0"/>
-              <a:t>massa</a:t>
-            </a:r>
-            <a:r>
-              <a:rPr lang="en-US" sz="700" dirty="0" smtClean="0"/>
-              <a:t> </a:t>
-            </a:r>
-            <a:r>
-              <a:rPr lang="en-US" sz="700" dirty="0" err="1" smtClean="0"/>
-              <a:t>ut</a:t>
-            </a:r>
-            <a:r>
-              <a:rPr lang="en-US" sz="700" dirty="0" smtClean="0"/>
-              <a:t> </a:t>
-            </a:r>
-            <a:r>
-              <a:rPr lang="en-US" sz="700" dirty="0" err="1" smtClean="0"/>
-              <a:t>erat</a:t>
-            </a:r>
-            <a:r>
-              <a:rPr lang="en-US" sz="700" dirty="0" smtClean="0"/>
-              <a:t> </a:t>
-            </a:r>
-            <a:r>
-              <a:rPr lang="en-US" sz="700" dirty="0" err="1" smtClean="0"/>
-              <a:t>placerat</a:t>
-            </a:r>
-            <a:r>
-              <a:rPr lang="en-US" sz="700" dirty="0" smtClean="0"/>
-              <a:t> </a:t>
-            </a:r>
-            <a:r>
-              <a:rPr lang="en-US" sz="700" dirty="0" err="1" smtClean="0"/>
-              <a:t>placerat</a:t>
-            </a:r>
-            <a:r>
-              <a:rPr lang="en-US" sz="700" dirty="0" smtClean="0"/>
-              <a:t> </a:t>
-            </a:r>
-            <a:r>
-              <a:rPr lang="en-US" sz="700" dirty="0" err="1" smtClean="0"/>
-              <a:t>ut</a:t>
-            </a:r>
-            <a:r>
-              <a:rPr lang="en-US" sz="700" dirty="0" smtClean="0"/>
-              <a:t> non </a:t>
-            </a:r>
-            <a:r>
-              <a:rPr lang="en-US" sz="700" dirty="0" err="1" smtClean="0"/>
-              <a:t>elit</a:t>
-            </a:r>
-            <a:r>
-              <a:rPr lang="en-US" sz="700" dirty="0" smtClean="0"/>
-              <a:t>. </a:t>
-            </a:r>
-            <a:r>
-              <a:rPr lang="en-US" sz="700" dirty="0" err="1" smtClean="0"/>
-              <a:t>Aenean</a:t>
-            </a:r>
-            <a:r>
-              <a:rPr lang="en-US" sz="700" dirty="0" smtClean="0"/>
-              <a:t> </a:t>
-            </a:r>
-            <a:r>
-              <a:rPr lang="en-US" sz="700" dirty="0" err="1" smtClean="0"/>
-              <a:t>vel</a:t>
-            </a:r>
-            <a:r>
-              <a:rPr lang="en-US" sz="700" dirty="0" smtClean="0"/>
-              <a:t> </a:t>
-            </a:r>
-            <a:r>
-              <a:rPr lang="en-US" sz="700" dirty="0" err="1" smtClean="0"/>
-              <a:t>porttitor</a:t>
-            </a:r>
-            <a:r>
-              <a:rPr lang="en-US" sz="700" dirty="0" smtClean="0"/>
-              <a:t> lacus. In </a:t>
-            </a:r>
-            <a:r>
-              <a:rPr lang="en-US" sz="700" dirty="0" err="1" smtClean="0"/>
-              <a:t>pellentesque</a:t>
-            </a:r>
-            <a:r>
-              <a:rPr lang="en-US" sz="700" dirty="0" smtClean="0"/>
-              <a:t> non </a:t>
-            </a:r>
-            <a:r>
-              <a:rPr lang="en-US" sz="700" dirty="0" err="1" smtClean="0"/>
-              <a:t>libero</a:t>
-            </a:r>
-            <a:r>
-              <a:rPr lang="en-US" sz="700" dirty="0" smtClean="0"/>
-              <a:t> </a:t>
-            </a:r>
-            <a:r>
-              <a:rPr lang="en-US" sz="700" dirty="0" err="1" smtClean="0"/>
-              <a:t>pulvinar</a:t>
-            </a:r>
-            <a:r>
-              <a:rPr lang="en-US" sz="700" dirty="0" smtClean="0"/>
-              <a:t> </a:t>
-            </a:r>
-            <a:r>
-              <a:rPr lang="en-US" sz="700" dirty="0" err="1" smtClean="0"/>
-              <a:t>rhoncus</a:t>
-            </a:r>
-            <a:r>
-              <a:rPr lang="en-US" sz="700" dirty="0" smtClean="0"/>
-              <a:t>. </a:t>
-            </a:r>
-            <a:r>
-              <a:rPr lang="en-US" sz="700" dirty="0" err="1" smtClean="0"/>
-              <a:t>Suspendisse</a:t>
-            </a:r>
-            <a:r>
-              <a:rPr lang="en-US" sz="700" dirty="0" smtClean="0"/>
-              <a:t> </a:t>
-            </a:r>
-            <a:r>
-              <a:rPr lang="en-US" sz="700" dirty="0" err="1" smtClean="0"/>
-              <a:t>pharetra</a:t>
-            </a:r>
-            <a:r>
-              <a:rPr lang="en-US" sz="700" dirty="0" smtClean="0"/>
-              <a:t> </a:t>
-            </a:r>
-            <a:r>
-              <a:rPr lang="en-US" sz="700" dirty="0" err="1" smtClean="0"/>
-              <a:t>auctor</a:t>
-            </a:r>
-            <a:r>
-              <a:rPr lang="en-US" sz="700" dirty="0" smtClean="0"/>
-              <a:t> </a:t>
-            </a:r>
-            <a:r>
-              <a:rPr lang="en-US" sz="700" dirty="0" err="1" smtClean="0"/>
-              <a:t>enim</a:t>
-            </a:r>
-            <a:r>
-              <a:rPr lang="en-US" sz="700" dirty="0" smtClean="0"/>
-              <a:t> id </a:t>
-            </a:r>
-            <a:r>
-              <a:rPr lang="en-US" sz="700" dirty="0" err="1" smtClean="0"/>
-              <a:t>vestibulum</a:t>
-            </a:r>
-            <a:r>
-              <a:rPr lang="en-US" sz="700" dirty="0" smtClean="0"/>
-              <a:t>.</a:t>
-            </a:r>
-            <a:endParaRPr lang="en-US" sz="700" dirty="0"/>
+              <a:rPr lang="en-US" sz="700" noProof="1" smtClean="0"/>
+              <a:t>Lorem ipsum dolor sit amet, consectetur adipiscing elit. Cras at porta orci, et porttitor justo. Proin molestie ornare elit, sit amet commodo est semper sit amet. Vestibulum eget accumsan eros, a convallis enim. Praesent eget fermentum arcu, sed ullamcorper nisl. Class aptent taciti sociosqu ad litora torquent per conubia nostra, per inceptos himenaeos. Sed vel urna augue. Class aptent taciti sociosqu ad litora torquent per conubia nostra, per inceptos himenaeos. Donec vitae massa ut erat placerat placerat ut non elit. Aenean vel porttitor lacus. In pellentesque non libero pulvinar rhoncus. Suspendisse pharetra auctor enim id vestibulum.</a:t>
+            </a:r>
+            <a:endParaRPr lang="en-US" sz="700" noProof="1"/>
           </a:p>
         </p:txBody>
       </p:sp>
@@ -3859,7 +3287,7 @@
         </p:blipFill>
         <p:spPr>
           <a:xfrm>
-            <a:off x="771071" y="2735780"/>
+            <a:off x="771071" y="2735782"/>
             <a:ext cx="5334000" cy="1889473"/>
           </a:xfrm>
           <a:prstGeom prst="rect">
@@ -3875,7 +3303,7 @@
         </p:nvSpPr>
         <p:spPr>
           <a:xfrm>
-            <a:off x="752929" y="578143"/>
+            <a:off x="752929" y="578145"/>
             <a:ext cx="2857500" cy="276999"/>
           </a:xfrm>
           <a:prstGeom prst="rect">
@@ -3892,14 +3320,14 @@
           <a:lstStyle/>
           <a:p>
             <a:r>
-              <a:rPr lang="en-US" sz="1200" dirty="0" smtClean="0">
+              <a:rPr lang="en-US" sz="1200" noProof="1" smtClean="0">
                 <a:solidFill>
                   <a:schemeClr val="bg1"/>
                 </a:solidFill>
               </a:rPr>
               <a:t>data is on fire</a:t>
             </a:r>
-            <a:endParaRPr lang="en-US" sz="1200" dirty="0">
+            <a:endParaRPr lang="en-US" sz="1200" noProof="1">
               <a:solidFill>
                 <a:schemeClr val="bg1"/>
               </a:solidFill>
@@ -3915,7 +3343,7 @@
         </p:nvSpPr>
         <p:spPr>
           <a:xfrm>
-            <a:off x="2276901" y="2690521"/>
+            <a:off x="2276905" y="2690521"/>
             <a:ext cx="1270339" cy="215444"/>
           </a:xfrm>
           <a:prstGeom prst="rect">
@@ -3932,10 +3360,10 @@
           <a:lstStyle/>
           <a:p>
             <a:r>
-              <a:rPr lang="en-US" sz="800" dirty="0" smtClean="0"/>
+              <a:rPr lang="en-US" sz="800" noProof="1" smtClean="0"/>
               <a:t>Attendance time (min.)</a:t>
             </a:r>
-            <a:endParaRPr lang="en-US" sz="800" dirty="0"/>
+            <a:endParaRPr lang="en-US" sz="800" noProof="1"/>
           </a:p>
         </p:txBody>
       </p:sp>
@@ -3947,7 +3375,7 @@
         </p:nvSpPr>
         <p:spPr>
           <a:xfrm>
-            <a:off x="768923" y="2682150"/>
+            <a:off x="768927" y="2682151"/>
             <a:ext cx="1517077" cy="215444"/>
           </a:xfrm>
           <a:prstGeom prst="rect">
@@ -3964,10 +3392,10 @@
           <a:lstStyle/>
           <a:p>
             <a:r>
-              <a:rPr lang="en-US" sz="800" dirty="0" smtClean="0"/>
-              <a:t>Time of day (weekdays only)</a:t>
-            </a:r>
-            <a:endParaRPr lang="en-US" sz="800" dirty="0"/>
+              <a:rPr lang="en-US" sz="800" noProof="1" smtClean="0"/>
+              <a:t>Time of day</a:t>
+            </a:r>
+            <a:endParaRPr lang="en-US" sz="800" noProof="1"/>
           </a:p>
         </p:txBody>
       </p:sp>
@@ -3979,7 +3407,7 @@
         </p:nvSpPr>
         <p:spPr>
           <a:xfrm>
-            <a:off x="2331522" y="3520683"/>
+            <a:off x="2339223" y="3520683"/>
             <a:ext cx="1278907" cy="152784"/>
           </a:xfrm>
           <a:prstGeom prst="rect">
@@ -3996,426 +3424,10 @@
           <a:lstStyle/>
           <a:p>
             <a:r>
-              <a:rPr lang="en-US" sz="500" dirty="0" smtClean="0"/>
+              <a:rPr lang="en-US" sz="500" noProof="1" smtClean="0"/>
               <a:t>0     2     4     6     8     10     12     14     16     18     20</a:t>
             </a:r>
-            <a:endParaRPr lang="en-US" sz="500" dirty="0"/>
-          </a:p>
-        </p:txBody>
-      </p:sp>
-      <p:sp>
-        <p:nvSpPr>
-          <p:cNvPr id="15" name="TextBox 14"/>
-          <p:cNvSpPr txBox="1"/>
-          <p:nvPr/>
-        </p:nvSpPr>
-        <p:spPr>
-          <a:xfrm>
-            <a:off x="3655440" y="3520683"/>
-            <a:ext cx="2369123" cy="152784"/>
-          </a:xfrm>
-          <a:prstGeom prst="rect">
-            <a:avLst/>
-          </a:prstGeom>
-          <a:solidFill>
-            <a:schemeClr val="bg1"/>
-          </a:solidFill>
-        </p:spPr>
-        <p:txBody>
-          <a:bodyPr wrap="square" lIns="0" tIns="0" rIns="0" bIns="0" rtlCol="0">
-            <a:noAutofit/>
-          </a:bodyPr>
-          <a:lstStyle/>
-          <a:p>
-            <a:r>
-              <a:rPr lang="en-US" sz="500" dirty="0" smtClean="0"/>
-              <a:t>0    1    2    3    4    5    6    7    8    9    10    11    12    13    14    15    16    17    18    19    20    21</a:t>
-            </a:r>
-            <a:endParaRPr lang="en-US" sz="500" dirty="0"/>
-          </a:p>
-        </p:txBody>
-      </p:sp>
-      <p:sp>
-        <p:nvSpPr>
-          <p:cNvPr id="17" name="Rectangle 16"/>
-          <p:cNvSpPr/>
-          <p:nvPr/>
-        </p:nvSpPr>
-        <p:spPr>
-          <a:xfrm>
-            <a:off x="2368981" y="2912982"/>
-            <a:ext cx="1150732" cy="563722"/>
-          </a:xfrm>
-          <a:prstGeom prst="rect">
-            <a:avLst/>
-          </a:prstGeom>
-          <a:gradFill flip="none" rotWithShape="1">
-            <a:gsLst>
-              <a:gs pos="0">
-                <a:srgbClr val="008000"/>
-              </a:gs>
-              <a:gs pos="100000">
-                <a:srgbClr val="FF0000"/>
-              </a:gs>
-              <a:gs pos="30000">
-                <a:srgbClr val="FFFF00"/>
-              </a:gs>
-            </a:gsLst>
-            <a:lin ang="0" scaled="1"/>
-            <a:tileRect/>
-          </a:gradFill>
-          <a:ln>
-            <a:noFill/>
-          </a:ln>
-          <a:effectLst/>
-        </p:spPr>
-        <p:style>
-          <a:lnRef idx="1">
-            <a:schemeClr val="accent1"/>
-          </a:lnRef>
-          <a:fillRef idx="3">
-            <a:schemeClr val="accent1"/>
-          </a:fillRef>
-          <a:effectRef idx="2">
-            <a:schemeClr val="accent1"/>
-          </a:effectRef>
-          <a:fontRef idx="minor">
-            <a:schemeClr val="lt1"/>
-          </a:fontRef>
-        </p:style>
-        <p:txBody>
-          <a:bodyPr rtlCol="0" anchor="ctr"/>
-          <a:lstStyle/>
-          <a:p>
-            <a:pPr algn="ctr"/>
-            <a:endParaRPr lang="en-US"/>
-          </a:p>
-        </p:txBody>
-      </p:sp>
-      <p:pic>
-        <p:nvPicPr>
-          <p:cNvPr id="16" name="Picture 15" descr="foo.png"/>
-          <p:cNvPicPr>
-            <a:picLocks noChangeAspect="1"/>
-          </p:cNvPicPr>
-          <p:nvPr/>
-        </p:nvPicPr>
-        <p:blipFill>
-          <a:blip r:embed="rId6">
-            <a:extLst>
-              <a:ext uri="{28A0092B-C50C-407E-A947-70E740481C1C}">
-                <a14:useLocalDpi xmlns:a14="http://schemas.microsoft.com/office/drawing/2010/main" val="0"/>
-              </a:ext>
-            </a:extLst>
-          </a:blip>
-          <a:stretch>
-            <a:fillRect/>
-          </a:stretch>
-        </p:blipFill>
-        <p:spPr>
-          <a:xfrm>
-            <a:off x="2495860" y="2885782"/>
-            <a:ext cx="1232157" cy="594075"/>
-          </a:xfrm>
-          <a:prstGeom prst="rect">
-            <a:avLst/>
-          </a:prstGeom>
-        </p:spPr>
-      </p:pic>
-      <p:pic>
-        <p:nvPicPr>
-          <p:cNvPr id="19" name="Picture 18" descr="foo2.png"/>
-          <p:cNvPicPr>
-            <a:picLocks noChangeAspect="1"/>
-          </p:cNvPicPr>
-          <p:nvPr/>
-        </p:nvPicPr>
-        <p:blipFill rotWithShape="1">
-          <a:blip r:embed="rId7">
-            <a:extLst>
-              <a:ext uri="{28A0092B-C50C-407E-A947-70E740481C1C}">
-                <a14:useLocalDpi xmlns:a14="http://schemas.microsoft.com/office/drawing/2010/main" val="0"/>
-              </a:ext>
-            </a:extLst>
-          </a:blip>
-          <a:srcRect t="-19761" b="-1"/>
-          <a:stretch/>
-        </p:blipFill>
-        <p:spPr>
-          <a:xfrm>
-            <a:off x="3629353" y="2846512"/>
-            <a:ext cx="2124518" cy="634597"/>
-          </a:xfrm>
-          <a:prstGeom prst="rect">
-            <a:avLst/>
-          </a:prstGeom>
-          <a:solidFill>
-            <a:schemeClr val="bg1"/>
-          </a:solidFill>
-        </p:spPr>
-      </p:pic>
-      <p:pic>
-        <p:nvPicPr>
-          <p:cNvPr id="18" name="Picture 17" descr="foo1.png"/>
-          <p:cNvPicPr>
-            <a:picLocks noChangeAspect="1"/>
-          </p:cNvPicPr>
-          <p:nvPr/>
-        </p:nvPicPr>
-        <p:blipFill rotWithShape="1">
-          <a:blip r:embed="rId8">
-            <a:extLst>
-              <a:ext uri="{28A0092B-C50C-407E-A947-70E740481C1C}">
-                <a14:useLocalDpi xmlns:a14="http://schemas.microsoft.com/office/drawing/2010/main" val="0"/>
-              </a:ext>
-            </a:extLst>
-          </a:blip>
-          <a:srcRect r="15861"/>
-          <a:stretch/>
-        </p:blipFill>
-        <p:spPr>
-          <a:xfrm>
-            <a:off x="3953888" y="2902204"/>
-            <a:ext cx="1952943" cy="578906"/>
-          </a:xfrm>
-          <a:prstGeom prst="rect">
-            <a:avLst/>
-          </a:prstGeom>
-        </p:spPr>
-      </p:pic>
-      <p:grpSp>
-        <p:nvGrpSpPr>
-          <p:cNvPr id="24" name="Group 23"/>
-          <p:cNvGrpSpPr/>
-          <p:nvPr/>
-        </p:nvGrpSpPr>
-        <p:grpSpPr>
-          <a:xfrm>
-            <a:off x="5326539" y="2940522"/>
-            <a:ext cx="764509" cy="211677"/>
-            <a:chOff x="5342961" y="2973366"/>
-            <a:chExt cx="764509" cy="211677"/>
-          </a:xfrm>
-        </p:grpSpPr>
-        <p:sp>
-          <p:nvSpPr>
-            <p:cNvPr id="20" name="Rectangle 19"/>
-            <p:cNvSpPr/>
-            <p:nvPr/>
-          </p:nvSpPr>
-          <p:spPr>
-            <a:xfrm>
-              <a:off x="5342961" y="3081896"/>
-              <a:ext cx="93064" cy="82111"/>
-            </a:xfrm>
-            <a:prstGeom prst="rect">
-              <a:avLst/>
-            </a:prstGeom>
-            <a:solidFill>
-              <a:schemeClr val="bg1">
-                <a:lumMod val="50000"/>
-              </a:schemeClr>
-            </a:solidFill>
-            <a:ln>
-              <a:noFill/>
-            </a:ln>
-            <a:effectLst/>
-          </p:spPr>
-          <p:style>
-            <a:lnRef idx="1">
-              <a:schemeClr val="accent1"/>
-            </a:lnRef>
-            <a:fillRef idx="3">
-              <a:schemeClr val="accent1"/>
-            </a:fillRef>
-            <a:effectRef idx="2">
-              <a:schemeClr val="accent1"/>
-            </a:effectRef>
-            <a:fontRef idx="minor">
-              <a:schemeClr val="lt1"/>
-            </a:fontRef>
-          </p:style>
-          <p:txBody>
-            <a:bodyPr rtlCol="0" anchor="ctr"/>
-            <a:lstStyle/>
-            <a:p>
-              <a:pPr algn="ctr"/>
-              <a:endParaRPr lang="en-US"/>
-            </a:p>
-          </p:txBody>
-        </p:sp>
-        <p:sp>
-          <p:nvSpPr>
-            <p:cNvPr id="21" name="Rectangle 20"/>
-            <p:cNvSpPr/>
-            <p:nvPr/>
-          </p:nvSpPr>
-          <p:spPr>
-            <a:xfrm>
-              <a:off x="5342961" y="2973366"/>
-              <a:ext cx="93064" cy="82111"/>
-            </a:xfrm>
-            <a:prstGeom prst="rect">
-              <a:avLst/>
-            </a:prstGeom>
-            <a:solidFill>
-              <a:schemeClr val="tx2">
-                <a:lumMod val="60000"/>
-                <a:lumOff val="40000"/>
-              </a:schemeClr>
-            </a:solidFill>
-            <a:ln>
-              <a:noFill/>
-            </a:ln>
-            <a:effectLst/>
-          </p:spPr>
-          <p:style>
-            <a:lnRef idx="1">
-              <a:schemeClr val="accent1"/>
-            </a:lnRef>
-            <a:fillRef idx="3">
-              <a:schemeClr val="accent1"/>
-            </a:fillRef>
-            <a:effectRef idx="2">
-              <a:schemeClr val="accent1"/>
-            </a:effectRef>
-            <a:fontRef idx="minor">
-              <a:schemeClr val="lt1"/>
-            </a:fontRef>
-          </p:style>
-          <p:txBody>
-            <a:bodyPr rtlCol="0" anchor="ctr"/>
-            <a:lstStyle/>
-            <a:p>
-              <a:pPr algn="ctr"/>
-              <a:endParaRPr lang="en-US"/>
-            </a:p>
-          </p:txBody>
-        </p:sp>
-        <p:sp>
-          <p:nvSpPr>
-            <p:cNvPr id="22" name="TextBox 21"/>
-            <p:cNvSpPr txBox="1"/>
-            <p:nvPr/>
-          </p:nvSpPr>
-          <p:spPr>
-            <a:xfrm>
-              <a:off x="5457941" y="2978840"/>
-              <a:ext cx="639453" cy="108543"/>
-            </a:xfrm>
-            <a:prstGeom prst="rect">
-              <a:avLst/>
-            </a:prstGeom>
-            <a:solidFill>
-              <a:schemeClr val="bg1"/>
-            </a:solidFill>
-          </p:spPr>
-          <p:txBody>
-            <a:bodyPr wrap="square" lIns="0" tIns="0" rIns="0" bIns="0" rtlCol="0">
-              <a:noAutofit/>
-            </a:bodyPr>
-            <a:lstStyle/>
-            <a:p>
-              <a:r>
-                <a:rPr lang="en-US" sz="500" dirty="0" smtClean="0"/>
-                <a:t>Current simulation</a:t>
-              </a:r>
-              <a:endParaRPr lang="en-US" sz="500" dirty="0"/>
-            </a:p>
-          </p:txBody>
-        </p:sp>
-        <p:sp>
-          <p:nvSpPr>
-            <p:cNvPr id="23" name="TextBox 22"/>
-            <p:cNvSpPr txBox="1"/>
-            <p:nvPr/>
-          </p:nvSpPr>
-          <p:spPr>
-            <a:xfrm>
-              <a:off x="5468017" y="3076500"/>
-              <a:ext cx="639453" cy="108543"/>
-            </a:xfrm>
-            <a:prstGeom prst="rect">
-              <a:avLst/>
-            </a:prstGeom>
-            <a:solidFill>
-              <a:schemeClr val="bg1"/>
-            </a:solidFill>
-          </p:spPr>
-          <p:txBody>
-            <a:bodyPr wrap="square" lIns="0" tIns="0" rIns="0" bIns="0" rtlCol="0">
-              <a:noAutofit/>
-            </a:bodyPr>
-            <a:lstStyle/>
-            <a:p>
-              <a:r>
-                <a:rPr lang="en-US" sz="500" dirty="0" smtClean="0"/>
-                <a:t>2012</a:t>
-              </a:r>
-              <a:endParaRPr lang="en-US" sz="500" dirty="0"/>
-            </a:p>
-          </p:txBody>
-        </p:sp>
-      </p:grpSp>
-      <p:pic>
-        <p:nvPicPr>
-          <p:cNvPr id="25" name="Picture 24" descr="foo3.png"/>
-          <p:cNvPicPr>
-            <a:picLocks noChangeAspect="1"/>
-          </p:cNvPicPr>
-          <p:nvPr/>
-        </p:nvPicPr>
-        <p:blipFill>
-          <a:blip r:embed="rId9">
-            <a:extLst>
-              <a:ext uri="{28A0092B-C50C-407E-A947-70E740481C1C}">
-                <a14:useLocalDpi xmlns:a14="http://schemas.microsoft.com/office/drawing/2010/main" val="0"/>
-              </a:ext>
-            </a:extLst>
-          </a:blip>
-          <a:stretch>
-            <a:fillRect/>
-          </a:stretch>
-        </p:blipFill>
-        <p:spPr>
-          <a:xfrm>
-            <a:off x="2327410" y="2945995"/>
-            <a:ext cx="1100729" cy="530709"/>
-          </a:xfrm>
-          <a:prstGeom prst="rect">
-            <a:avLst/>
-          </a:prstGeom>
-        </p:spPr>
-      </p:pic>
-      <p:sp>
-        <p:nvSpPr>
-          <p:cNvPr id="13" name="TextBox 12"/>
-          <p:cNvSpPr txBox="1"/>
-          <p:nvPr/>
-        </p:nvSpPr>
-        <p:spPr>
-          <a:xfrm>
-            <a:off x="3552557" y="2694786"/>
-            <a:ext cx="2585358" cy="215444"/>
-          </a:xfrm>
-          <a:prstGeom prst="rect">
-            <a:avLst/>
-          </a:prstGeom>
-          <a:solidFill>
-            <a:schemeClr val="bg1"/>
-          </a:solidFill>
-        </p:spPr>
-        <p:txBody>
-          <a:bodyPr wrap="square" rtlCol="0">
-            <a:spAutoFit/>
-          </a:bodyPr>
-          <a:lstStyle/>
-          <a:p>
-            <a:r>
-              <a:rPr lang="en-US" sz="800" dirty="0" smtClean="0"/>
-              <a:t>Distance of incident from primary station (mi.)</a:t>
-            </a:r>
-            <a:endParaRPr lang="en-US" sz="800" dirty="0"/>
+            <a:endParaRPr lang="en-US" sz="500" noProof="1"/>
           </a:p>
         </p:txBody>
       </p:sp>
@@ -4428,14 +3440,14 @@
           <p:nvPr>
             <p:extLst>
               <p:ext uri="{D42A27DB-BD31-4B8C-83A1-F6EECF244321}">
-                <p14:modId xmlns:p14="http://schemas.microsoft.com/office/powerpoint/2010/main" val="1329353162"/>
+                <p14:modId xmlns:p14="http://schemas.microsoft.com/office/powerpoint/2010/main" val="2999625486"/>
               </p:ext>
             </p:extLst>
           </p:nvPr>
         </p:nvGraphicFramePr>
         <p:xfrm>
-          <a:off x="847603" y="4841543"/>
-          <a:ext cx="4986700" cy="1600200"/>
+          <a:off x="847603" y="4841544"/>
+          <a:ext cx="4972490" cy="749599"/>
         </p:xfrm>
         <a:graphic>
           <a:graphicData uri="http://schemas.openxmlformats.org/drawingml/2006/table">
@@ -4444,25 +3456,19 @@
                 <a:tableStyleId>{5C22544A-7EE6-4342-B048-85BDC9FD1C3A}</a:tableStyleId>
               </a:tblPr>
               <a:tblGrid>
-                <a:gridCol w="528205"/>
-                <a:gridCol w="569502"/>
-                <a:gridCol w="564230"/>
-                <a:gridCol w="885891"/>
-                <a:gridCol w="669627"/>
-                <a:gridCol w="780493"/>
-                <a:gridCol w="988752"/>
+                <a:gridCol w="399306"/>
+                <a:gridCol w="1190323"/>
+                <a:gridCol w="817081"/>
+                <a:gridCol w="1282890"/>
+                <a:gridCol w="1282890"/>
               </a:tblGrid>
-              <a:tr h="0">
+              <a:tr h="287143">
                 <a:tc>
                   <a:txBody>
                     <a:bodyPr/>
                     <a:lstStyle/>
                     <a:p>
                       <a:pPr algn="ctr"/>
-                      <a:r>
-                        <a:rPr lang="en-US" sz="600" dirty="0" smtClean="0"/>
-                        <a:t>Close this station</a:t>
-                      </a:r>
                       <a:endParaRPr lang="en-US" sz="600" dirty="0"/>
                     </a:p>
                   </a:txBody>
@@ -4494,10 +3500,6 @@
                         <a:rPr lang="en-US" sz="600" dirty="0" smtClean="0"/>
                         <a:t>Station</a:t>
                       </a:r>
-                      <a:r>
-                        <a:rPr lang="en-US" sz="600" baseline="0" dirty="0" smtClean="0"/>
-                        <a:t> ground</a:t>
-                      </a:r>
                       <a:endParaRPr lang="en-US" sz="600" dirty="0" smtClean="0"/>
                     </a:p>
                   </a:txBody>
@@ -4511,7 +3513,11 @@
                       <a:pPr algn="ctr"/>
                       <a:r>
                         <a:rPr lang="en-US" sz="600" dirty="0" smtClean="0"/>
-                        <a:t>No. of incidents in 2012</a:t>
+                        <a:t>No. of </a:t>
+                      </a:r>
+                      <a:r>
+                        <a:rPr lang="en-US" sz="600" dirty="0" smtClean="0"/>
+                        <a:t>incidents</a:t>
                       </a:r>
                       <a:endParaRPr lang="en-US" sz="600" dirty="0"/>
                     </a:p>
@@ -4523,23 +3529,26 @@
                     <a:bodyPr/>
                     <a:lstStyle/>
                     <a:p>
+                      <a:pPr algn="ctr"/>
                       <a:r>
                         <a:rPr lang="en-US" sz="600" dirty="0" smtClean="0"/>
-                        <a:t>Station</a:t>
+                        <a:t>% of incidents</a:t>
                       </a:r>
                       <a:r>
                         <a:rPr lang="en-US" sz="600" baseline="0" dirty="0" smtClean="0"/>
-                        <a:t> ground c</a:t>
+                        <a:t> </a:t>
                       </a:r>
                       <a:r>
                         <a:rPr lang="en-US" sz="600" dirty="0" smtClean="0"/>
-                        <a:t>ompliance</a:t>
+                        <a:t>attended</a:t>
                       </a:r>
-                    </a:p>
-                    <a:p>
+                      <a:r>
+                        <a:rPr lang="en-US" sz="600" baseline="0" dirty="0" smtClean="0"/>
+                        <a:t> </a:t>
+                      </a:r>
                       <a:r>
                         <a:rPr lang="en-US" sz="600" dirty="0" smtClean="0"/>
-                        <a:t>(% attendance within 6 minutes)</a:t>
+                        <a:t>within 6 minutes</a:t>
                       </a:r>
                       <a:endParaRPr lang="en-US" sz="600" dirty="0"/>
                     </a:p>
@@ -4551,49 +3560,14 @@
                     <a:bodyPr/>
                     <a:lstStyle/>
                     <a:p>
+                      <a:pPr algn="ctr"/>
                       <a:r>
                         <a:rPr lang="en-US" sz="600" dirty="0" smtClean="0"/>
-                        <a:t>Most likely station to fill,</a:t>
+                        <a:t>% of</a:t>
                       </a:r>
                       <a:r>
                         <a:rPr lang="en-US" sz="600" baseline="0" dirty="0" smtClean="0"/>
-                        <a:t> if closed</a:t>
-                      </a:r>
-                      <a:endParaRPr lang="en-US" sz="600" dirty="0"/>
-                    </a:p>
-                  </a:txBody>
-                  <a:tcPr anchor="ctr"/>
-                </a:tc>
-                <a:tc>
-                  <a:txBody>
-                    <a:bodyPr/>
-                    <a:lstStyle/>
-                    <a:p>
-                      <a:r>
-                        <a:rPr lang="en-US" sz="600" dirty="0" smtClean="0"/>
-                        <a:t>Distance from</a:t>
-                      </a:r>
-                      <a:r>
-                        <a:rPr lang="en-US" sz="600" baseline="0" dirty="0" smtClean="0"/>
-                        <a:t> closed station (mi.)</a:t>
-                      </a:r>
-                      <a:endParaRPr lang="en-US" sz="600" dirty="0"/>
-                    </a:p>
-                  </a:txBody>
-                  <a:tcPr anchor="ctr"/>
-                </a:tc>
-                <a:tc>
-                  <a:txBody>
-                    <a:bodyPr/>
-                    <a:lstStyle/>
-                    <a:p>
-                      <a:r>
-                        <a:rPr lang="en-US" sz="600" dirty="0" smtClean="0"/>
-                        <a:t>Expected station</a:t>
-                      </a:r>
-                      <a:r>
-                        <a:rPr lang="en-US" sz="600" baseline="0" dirty="0" smtClean="0"/>
-                        <a:t> ground compliance, if closed (%, best case scenario)</a:t>
+                        <a:t> total</a:t>
                       </a:r>
                       <a:endParaRPr lang="en-US" sz="600" dirty="0"/>
                     </a:p>
@@ -4601,7 +3575,7 @@
                   <a:tcPr anchor="ctr"/>
                 </a:tc>
               </a:tr>
-              <a:tr h="125569">
+              <a:tr h="231228">
                 <a:tc>
                   <a:txBody>
                     <a:bodyPr/>
@@ -4609,14 +3583,14 @@
                     <a:p>
                       <a:pPr algn="ctr"/>
                       <a:r>
-                        <a:rPr lang="en-US" sz="900" dirty="0" smtClean="0">
+                        <a:rPr lang="en-US" sz="900" b="1" dirty="0" smtClean="0">
                           <a:latin typeface="ＭＳ ゴシック"/>
                           <a:ea typeface="ＭＳ ゴシック"/>
                           <a:cs typeface="ＭＳ ゴシック"/>
                         </a:rPr>
-                        <a:t>☐</a:t>
+                        <a:t>&gt;</a:t>
                       </a:r>
-                      <a:endParaRPr lang="en-US" sz="900" dirty="0"/>
+                      <a:endParaRPr lang="en-US" sz="900" b="1" dirty="0"/>
                     </a:p>
                   </a:txBody>
                   <a:tcPr anchor="ctr"/>
@@ -4670,9 +3644,41 @@
                     <a:bodyPr/>
                     <a:lstStyle/>
                     <a:p>
+                      <a:pPr algn="ctr"/>
+                      <a:r>
+                        <a:rPr lang="en-US" sz="600" dirty="0" smtClean="0"/>
+                        <a:t>8.30%</a:t>
+                      </a:r>
+                      <a:endParaRPr lang="en-US" sz="600" dirty="0"/>
+                    </a:p>
+                  </a:txBody>
+                  <a:tcPr anchor="ctr"/>
+                </a:tc>
+              </a:tr>
+              <a:tr h="231228">
+                <a:tc>
+                  <a:txBody>
+                    <a:bodyPr/>
+                    <a:lstStyle/>
+                    <a:p>
+                      <a:pPr algn="ctr"/>
+                      <a:r>
+                        <a:rPr lang="en-US" sz="900" b="1" dirty="0" smtClean="0"/>
+                        <a:t>∨</a:t>
+                      </a:r>
+                      <a:endParaRPr lang="en-US" sz="900" b="1" dirty="0"/>
+                    </a:p>
+                  </a:txBody>
+                  <a:tcPr anchor="ctr"/>
+                </a:tc>
+                <a:tc>
+                  <a:txBody>
+                    <a:bodyPr/>
+                    <a:lstStyle/>
+                    <a:p>
                       <a:r>
                         <a:rPr lang="en-US" sz="600" dirty="0" err="1" smtClean="0"/>
-                        <a:t>Chiswick</a:t>
+                        <a:t>Addington</a:t>
                       </a:r>
                       <a:endParaRPr lang="en-US" sz="600" dirty="0"/>
                     </a:p>
@@ -4687,7 +3693,7 @@
                       <a:pPr algn="ctr"/>
                       <a:r>
                         <a:rPr lang="en-US" sz="600" dirty="0" smtClean="0"/>
-                        <a:t>3</a:t>
+                        <a:t>522</a:t>
                       </a:r>
                       <a:endParaRPr lang="en-US" sz="600" dirty="0"/>
                     </a:p>
@@ -4702,60 +3708,12 @@
                       <a:pPr algn="ctr"/>
                       <a:r>
                         <a:rPr lang="en-US" sz="600" dirty="0" smtClean="0"/>
-                        <a:t>&lt; 38.80%</a:t>
+                        <a:t>72.16%</a:t>
                       </a:r>
                       <a:endParaRPr lang="en-US" sz="600" dirty="0"/>
                     </a:p>
                   </a:txBody>
                   <a:tcPr anchor="ctr"/>
-                </a:tc>
-              </a:tr>
-              <a:tr h="125569">
-                <a:tc>
-                  <a:txBody>
-                    <a:bodyPr/>
-                    <a:lstStyle/>
-                    <a:p>
-                      <a:pPr algn="ctr"/>
-                      <a:r>
-                        <a:rPr lang="en-US" sz="900" dirty="0" smtClean="0">
-                          <a:latin typeface="Wingdings"/>
-                          <a:ea typeface="Wingdings"/>
-                          <a:cs typeface="Wingdings"/>
-                          <a:sym typeface="Wingdings"/>
-                        </a:rPr>
-                        <a:t></a:t>
-                      </a:r>
-                      <a:endParaRPr lang="en-US" sz="900" dirty="0"/>
-                    </a:p>
-                  </a:txBody>
-                  <a:tcPr anchor="ctr">
-                    <a:solidFill>
-                      <a:schemeClr val="bg1">
-                        <a:lumMod val="50000"/>
-                      </a:schemeClr>
-                    </a:solidFill>
-                  </a:tcPr>
-                </a:tc>
-                <a:tc>
-                  <a:txBody>
-                    <a:bodyPr/>
-                    <a:lstStyle/>
-                    <a:p>
-                      <a:r>
-                        <a:rPr lang="en-US" sz="600" dirty="0" err="1" smtClean="0"/>
-                        <a:t>Addington</a:t>
-                      </a:r>
-                      <a:endParaRPr lang="en-US" sz="600" dirty="0"/>
-                    </a:p>
-                  </a:txBody>
-                  <a:tcPr anchor="ctr">
-                    <a:solidFill>
-                      <a:schemeClr val="bg1">
-                        <a:lumMod val="50000"/>
-                      </a:schemeClr>
-                    </a:solidFill>
-                  </a:tcPr>
                 </a:tc>
                 <a:tc>
                   <a:txBody>
@@ -4765,104 +3723,274 @@
                       <a:pPr algn="ctr"/>
                       <a:r>
                         <a:rPr lang="en-US" sz="600" dirty="0" smtClean="0"/>
-                        <a:t>522</a:t>
+                        <a:t>9.15%</a:t>
                       </a:r>
                       <a:endParaRPr lang="en-US" sz="600" dirty="0"/>
                     </a:p>
                   </a:txBody>
-                  <a:tcPr anchor="ctr">
-                    <a:solidFill>
-                      <a:schemeClr val="bg1">
-                        <a:lumMod val="50000"/>
-                      </a:schemeClr>
-                    </a:solidFill>
-                  </a:tcPr>
-                </a:tc>
-                <a:tc>
-                  <a:txBody>
-                    <a:bodyPr/>
-                    <a:lstStyle/>
-                    <a:p>
-                      <a:pPr algn="ctr"/>
-                      <a:r>
-                        <a:rPr lang="en-US" sz="600" dirty="0" smtClean="0"/>
-                        <a:t>72.16%</a:t>
-                      </a:r>
-                      <a:endParaRPr lang="en-US" sz="600" dirty="0"/>
-                    </a:p>
-                  </a:txBody>
-                  <a:tcPr anchor="ctr">
-                    <a:solidFill>
-                      <a:schemeClr val="bg1">
-                        <a:lumMod val="50000"/>
-                      </a:schemeClr>
-                    </a:solidFill>
-                  </a:tcPr>
-                </a:tc>
-                <a:tc>
-                  <a:txBody>
-                    <a:bodyPr/>
-                    <a:lstStyle/>
-                    <a:p>
-                      <a:r>
-                        <a:rPr lang="en-US" sz="600" dirty="0" smtClean="0"/>
-                        <a:t>Woodside</a:t>
-                      </a:r>
-                      <a:endParaRPr lang="en-US" sz="600" dirty="0"/>
-                    </a:p>
-                  </a:txBody>
-                  <a:tcPr anchor="ctr">
-                    <a:solidFill>
-                      <a:schemeClr val="bg1">
-                        <a:lumMod val="50000"/>
-                      </a:schemeClr>
-                    </a:solidFill>
-                  </a:tcPr>
-                </a:tc>
-                <a:tc>
-                  <a:txBody>
-                    <a:bodyPr/>
-                    <a:lstStyle/>
-                    <a:p>
-                      <a:pPr algn="ctr"/>
-                      <a:r>
-                        <a:rPr lang="en-US" sz="600" dirty="0" smtClean="0"/>
-                        <a:t>5</a:t>
-                      </a:r>
-                      <a:endParaRPr lang="en-US" sz="600" dirty="0"/>
-                    </a:p>
-                  </a:txBody>
-                  <a:tcPr anchor="ctr">
-                    <a:solidFill>
-                      <a:schemeClr val="bg1">
-                        <a:lumMod val="50000"/>
-                      </a:schemeClr>
-                    </a:solidFill>
-                  </a:tcPr>
-                </a:tc>
-                <a:tc>
-                  <a:txBody>
-                    <a:bodyPr/>
-                    <a:lstStyle/>
-                    <a:p>
-                      <a:pPr algn="ctr"/>
-                      <a:r>
-                        <a:rPr lang="en-US" sz="600" dirty="0" smtClean="0"/>
-                        <a:t>&lt; 8.11%</a:t>
-                      </a:r>
-                      <a:endParaRPr lang="en-US" sz="600" dirty="0"/>
-                    </a:p>
-                  </a:txBody>
-                  <a:tcPr anchor="ctr">
-                    <a:solidFill>
-                      <a:schemeClr val="bg1">
-                        <a:lumMod val="50000"/>
-                      </a:schemeClr>
-                    </a:solidFill>
-                  </a:tcPr>
+                  <a:tcPr anchor="ctr"/>
                 </a:tc>
               </a:tr>
-              <a:tr h="125569">
+            </a:tbl>
+          </a:graphicData>
+        </a:graphic>
+      </p:graphicFrame>
+      <p:pic>
+        <p:nvPicPr>
+          <p:cNvPr id="27" name="Picture 26" descr="Screen Shot 2013-09-25 at 11.01.21.png"/>
+          <p:cNvPicPr>
+            <a:picLocks noChangeAspect="1"/>
+          </p:cNvPicPr>
+          <p:nvPr/>
+        </p:nvPicPr>
+        <p:blipFill rotWithShape="1">
+          <a:blip r:embed="rId4">
+            <a:extLst>
+              <a:ext uri="{28A0092B-C50C-407E-A947-70E740481C1C}">
+                <a14:useLocalDpi xmlns:a14="http://schemas.microsoft.com/office/drawing/2010/main" val="0"/>
+              </a:ext>
+            </a:extLst>
+          </a:blip>
+          <a:srcRect t="26975"/>
+          <a:stretch/>
+        </p:blipFill>
+        <p:spPr>
+          <a:xfrm>
+            <a:off x="0" y="7843823"/>
+            <a:ext cx="6858000" cy="3183980"/>
+          </a:xfrm>
+          <a:prstGeom prst="rect">
+            <a:avLst/>
+          </a:prstGeom>
+        </p:spPr>
+      </p:pic>
+      <p:sp>
+        <p:nvSpPr>
+          <p:cNvPr id="28" name="TextBox 27"/>
+          <p:cNvSpPr txBox="1"/>
+          <p:nvPr/>
+        </p:nvSpPr>
+        <p:spPr>
+          <a:xfrm>
+            <a:off x="757390" y="8019741"/>
+            <a:ext cx="3093357" cy="1061829"/>
+          </a:xfrm>
+          <a:prstGeom prst="rect">
+            <a:avLst/>
+          </a:prstGeom>
+          <a:solidFill>
+            <a:schemeClr val="bg1"/>
+          </a:solidFill>
+        </p:spPr>
+        <p:txBody>
+          <a:bodyPr wrap="square" rtlCol="0">
+            <a:spAutoFit/>
+          </a:bodyPr>
+          <a:lstStyle/>
+          <a:p>
+            <a:r>
+              <a:rPr lang="en-US" sz="700" noProof="1" smtClean="0"/>
+              <a:t>Lorem ipsum dolor sit amet, consectetur adipiscing elit. Cras at porta orci, et porttitor justo. Proin molestie ornare elit, sit amet commodo est semper sit amet. Vestibulum eget accumsan eros, a convallis enim. Praesent eget fermentum arcu, sed ullamcorper nisl. Class aptent taciti sociosqu ad litora torquent per conubia nostra, per inceptos himenaeos. Sed vel urna augue. Class aptent taciti sociosqu ad litora torquent per conubia nostra, per inceptos himenaeos. Donec vitae massa ut erat placerat placerat ut non elit. Aenean vel porttitor lacus. In pellentesque non libero pulvinar rhoncus. Suspendisse pharetra auctor enim id vestibulum.</a:t>
+            </a:r>
+            <a:endParaRPr lang="en-US" sz="700" noProof="1"/>
+          </a:p>
+        </p:txBody>
+      </p:sp>
+      <p:pic>
+        <p:nvPicPr>
+          <p:cNvPr id="29" name="Picture 28"/>
+          <p:cNvPicPr>
+            <a:picLocks noChangeAspect="1"/>
+          </p:cNvPicPr>
+          <p:nvPr/>
+        </p:nvPicPr>
+        <p:blipFill rotWithShape="1">
+          <a:blip r:embed="rId6"/>
+          <a:srcRect l="2308" t="9083" r="90370" b="17206"/>
+          <a:stretch/>
+        </p:blipFill>
+        <p:spPr>
+          <a:xfrm>
+            <a:off x="5834307" y="4841543"/>
+            <a:ext cx="211073" cy="2900989"/>
+          </a:xfrm>
+          <a:prstGeom prst="rect">
+            <a:avLst/>
+          </a:prstGeom>
+        </p:spPr>
+      </p:pic>
+      <p:cxnSp>
+        <p:nvCxnSpPr>
+          <p:cNvPr id="3" name="Straight Connector 2"/>
+          <p:cNvCxnSpPr/>
+          <p:nvPr/>
+        </p:nvCxnSpPr>
+        <p:spPr>
+          <a:xfrm>
+            <a:off x="2654858" y="2890572"/>
+            <a:ext cx="0" cy="643580"/>
+          </a:xfrm>
+          <a:prstGeom prst="line">
+            <a:avLst/>
+          </a:prstGeom>
+          <a:ln w="12700">
+            <a:solidFill>
+              <a:schemeClr val="tx1"/>
+            </a:solidFill>
+            <a:prstDash val="sysDash"/>
+          </a:ln>
+          <a:effectLst/>
+        </p:spPr>
+        <p:style>
+          <a:lnRef idx="2">
+            <a:schemeClr val="accent1"/>
+          </a:lnRef>
+          <a:fillRef idx="0">
+            <a:schemeClr val="accent1"/>
+          </a:fillRef>
+          <a:effectRef idx="1">
+            <a:schemeClr val="accent1"/>
+          </a:effectRef>
+          <a:fontRef idx="minor">
+            <a:schemeClr val="tx1"/>
+          </a:fontRef>
+        </p:style>
+      </p:cxnSp>
+      <p:sp>
+        <p:nvSpPr>
+          <p:cNvPr id="31" name="Rectangle 30"/>
+          <p:cNvSpPr/>
+          <p:nvPr/>
+        </p:nvSpPr>
+        <p:spPr>
+          <a:xfrm>
+            <a:off x="3618130" y="2650432"/>
+            <a:ext cx="2362419" cy="1055953"/>
+          </a:xfrm>
+          <a:prstGeom prst="rect">
+            <a:avLst/>
+          </a:prstGeom>
+          <a:solidFill>
+            <a:schemeClr val="bg1"/>
+          </a:solidFill>
+          <a:ln>
+            <a:noFill/>
+          </a:ln>
+          <a:effectLst/>
+        </p:spPr>
+        <p:style>
+          <a:lnRef idx="1">
+            <a:schemeClr val="accent1"/>
+          </a:lnRef>
+          <a:fillRef idx="3">
+            <a:schemeClr val="accent1"/>
+          </a:fillRef>
+          <a:effectRef idx="2">
+            <a:schemeClr val="accent1"/>
+          </a:effectRef>
+          <a:fontRef idx="minor">
+            <a:schemeClr val="lt1"/>
+          </a:fontRef>
+        </p:style>
+        <p:txBody>
+          <a:bodyPr rtlCol="0" anchor="ctr"/>
+          <a:lstStyle/>
+          <a:p>
+            <a:pPr algn="ctr"/>
+            <a:endParaRPr lang="en-US" noProof="1"/>
+          </a:p>
+        </p:txBody>
+      </p:sp>
+      <p:sp>
+        <p:nvSpPr>
+          <p:cNvPr id="32" name="Rounded Rectangular Callout 31"/>
+          <p:cNvSpPr/>
+          <p:nvPr/>
+        </p:nvSpPr>
+        <p:spPr>
+          <a:xfrm>
+            <a:off x="3770689" y="2463733"/>
+            <a:ext cx="955250" cy="579924"/>
+          </a:xfrm>
+          <a:prstGeom prst="wedgeRoundRectCallout">
+            <a:avLst>
+              <a:gd name="adj1" fmla="val -141873"/>
+              <a:gd name="adj2" fmla="val 94715"/>
+              <a:gd name="adj3" fmla="val 16667"/>
+            </a:avLst>
+          </a:prstGeom>
+          <a:solidFill>
+            <a:srgbClr val="FFFF00">
+              <a:alpha val="59000"/>
+            </a:srgbClr>
+          </a:solidFill>
+        </p:spPr>
+        <p:style>
+          <a:lnRef idx="1">
+            <a:schemeClr val="accent1"/>
+          </a:lnRef>
+          <a:fillRef idx="3">
+            <a:schemeClr val="accent1"/>
+          </a:fillRef>
+          <a:effectRef idx="2">
+            <a:schemeClr val="accent1"/>
+          </a:effectRef>
+          <a:fontRef idx="minor">
+            <a:schemeClr val="lt1"/>
+          </a:fontRef>
+        </p:style>
+        <p:txBody>
+          <a:bodyPr rtlCol="0" anchor="t"/>
+          <a:lstStyle/>
+          <a:p>
+            <a:r>
+              <a:rPr lang="en-US" sz="800" noProof="1" smtClean="0">
+                <a:solidFill>
+                  <a:schemeClr val="tx1"/>
+                </a:solidFill>
+              </a:rPr>
+              <a:t>This one is not selectable!</a:t>
+            </a:r>
+            <a:endParaRPr lang="en-US" sz="800" noProof="1">
+              <a:solidFill>
+                <a:schemeClr val="tx1"/>
+              </a:solidFill>
+            </a:endParaRPr>
+          </a:p>
+        </p:txBody>
+      </p:sp>
+      <p:graphicFrame>
+        <p:nvGraphicFramePr>
+          <p:cNvPr id="33" name="Table 32"/>
+          <p:cNvGraphicFramePr>
+            <a:graphicFrameLocks noGrp="1"/>
+          </p:cNvGraphicFramePr>
+          <p:nvPr>
+            <p:extLst>
+              <p:ext uri="{D42A27DB-BD31-4B8C-83A1-F6EECF244321}">
+                <p14:modId xmlns:p14="http://schemas.microsoft.com/office/powerpoint/2010/main" val="2579606026"/>
+              </p:ext>
+            </p:extLst>
+          </p:nvPr>
+        </p:nvGraphicFramePr>
+        <p:xfrm>
+          <a:off x="847603" y="7056733"/>
+          <a:ext cx="4972490" cy="693684"/>
+        </p:xfrm>
+        <a:graphic>
+          <a:graphicData uri="http://schemas.openxmlformats.org/drawingml/2006/table">
+            <a:tbl>
+              <a:tblPr bandRow="1">
+                <a:tableStyleId>{5C22544A-7EE6-4342-B048-85BDC9FD1C3A}</a:tableStyleId>
+              </a:tblPr>
+              <a:tblGrid>
+                <a:gridCol w="399306"/>
+                <a:gridCol w="1190323"/>
+                <a:gridCol w="817081"/>
+                <a:gridCol w="1282890"/>
+                <a:gridCol w="1282890"/>
+              </a:tblGrid>
+              <a:tr h="231228">
                 <a:tc>
                   <a:txBody>
                     <a:bodyPr/>
@@ -4875,7 +4003,7 @@
                           <a:ea typeface="ＭＳ ゴシック"/>
                           <a:cs typeface="ＭＳ ゴシック"/>
                         </a:rPr>
-                        <a:t>☐</a:t>
+                        <a:t>&gt;</a:t>
                       </a:r>
                       <a:endParaRPr lang="en-US" sz="900" dirty="0"/>
                     </a:p>
@@ -4931,39 +4059,10 @@
                     <a:bodyPr/>
                     <a:lstStyle/>
                     <a:p>
-                      <a:r>
-                        <a:rPr lang="en-US" sz="600" dirty="0" smtClean="0"/>
-                        <a:t>East Ham</a:t>
-                      </a:r>
-                      <a:endParaRPr lang="en-US" sz="600" dirty="0"/>
-                    </a:p>
-                  </a:txBody>
-                  <a:tcPr anchor="ctr"/>
-                </a:tc>
-                <a:tc>
-                  <a:txBody>
-                    <a:bodyPr/>
-                    <a:lstStyle/>
-                    <a:p>
                       <a:pPr algn="ctr"/>
                       <a:r>
                         <a:rPr lang="en-US" sz="600" dirty="0" smtClean="0"/>
-                        <a:t>4</a:t>
-                      </a:r>
-                      <a:endParaRPr lang="en-US" sz="600" dirty="0"/>
-                    </a:p>
-                  </a:txBody>
-                  <a:tcPr anchor="ctr"/>
-                </a:tc>
-                <a:tc>
-                  <a:txBody>
-                    <a:bodyPr/>
-                    <a:lstStyle/>
-                    <a:p>
-                      <a:pPr algn="ctr"/>
-                      <a:r>
-                        <a:rPr lang="en-US" sz="600" dirty="0" smtClean="0"/>
-                        <a:t>&lt; 47.37%</a:t>
+                        <a:t>7.87%</a:t>
                       </a:r>
                       <a:endParaRPr lang="en-US" sz="600" dirty="0"/>
                     </a:p>
@@ -4971,7 +4070,7 @@
                   <a:tcPr anchor="ctr"/>
                 </a:tc>
               </a:tr>
-              <a:tr h="125569">
+              <a:tr h="231228">
                 <a:tc>
                   <a:txBody>
                     <a:bodyPr/>
@@ -4984,7 +4083,7 @@
                           <a:ea typeface="ＭＳ ゴシック"/>
                           <a:cs typeface="ＭＳ ゴシック"/>
                         </a:rPr>
-                        <a:t>☐</a:t>
+                        <a:t>&gt;</a:t>
                       </a:r>
                       <a:endParaRPr lang="en-US" sz="900" dirty="0"/>
                     </a:p>
@@ -5033,21 +4132,11 @@
                       <a:endParaRPr lang="en-US" sz="600" dirty="0"/>
                     </a:p>
                   </a:txBody>
-                  <a:tcPr anchor="ctr"/>
-                </a:tc>
-                <a:tc>
-                  <a:txBody>
-                    <a:bodyPr/>
-                    <a:lstStyle/>
-                    <a:p>
-                      <a:r>
-                        <a:rPr lang="en-US" sz="600" dirty="0" smtClean="0"/>
-                        <a:t>Southgate</a:t>
-                      </a:r>
-                      <a:endParaRPr lang="en-US" sz="600" dirty="0"/>
-                    </a:p>
-                  </a:txBody>
-                  <a:tcPr anchor="ctr"/>
+                  <a:tcPr anchor="ctr">
+                    <a:solidFill>
+                      <a:srgbClr val="E9EDF4"/>
+                    </a:solidFill>
+                  </a:tcPr>
                 </a:tc>
                 <a:tc>
                   <a:txBody>
@@ -5057,22 +4146,7 @@
                       <a:pPr algn="ctr"/>
                       <a:r>
                         <a:rPr lang="en-US" sz="600" dirty="0" smtClean="0"/>
-                        <a:t>10</a:t>
-                      </a:r>
-                      <a:endParaRPr lang="en-US" sz="600" dirty="0"/>
-                    </a:p>
-                  </a:txBody>
-                  <a:tcPr anchor="ctr"/>
-                </a:tc>
-                <a:tc>
-                  <a:txBody>
-                    <a:bodyPr/>
-                    <a:lstStyle/>
-                    <a:p>
-                      <a:pPr algn="ctr"/>
-                      <a:r>
-                        <a:rPr lang="en-US" sz="600" dirty="0" smtClean="0"/>
-                        <a:t>&lt; 13.08%</a:t>
+                        <a:t>8.02%</a:t>
                       </a:r>
                       <a:endParaRPr lang="en-US" sz="600" dirty="0"/>
                     </a:p>
@@ -5080,7 +4154,7 @@
                   <a:tcPr anchor="ctr"/>
                 </a:tc>
               </a:tr>
-              <a:tr h="125569">
+              <a:tr h="231228">
                 <a:tc>
                   <a:txBody>
                     <a:bodyPr/>
@@ -5093,7 +4167,7 @@
                           <a:ea typeface="ＭＳ ゴシック"/>
                           <a:cs typeface="ＭＳ ゴシック"/>
                         </a:rPr>
-                        <a:t>☐</a:t>
+                        <a:t>&gt;</a:t>
                       </a:r>
                       <a:endParaRPr lang="en-US" sz="900" dirty="0"/>
                     </a:p>
@@ -5149,39 +4223,10 @@
                     <a:bodyPr/>
                     <a:lstStyle/>
                     <a:p>
-                      <a:r>
-                        <a:rPr lang="en-US" sz="600" dirty="0" err="1" smtClean="0"/>
-                        <a:t>Wandsworth</a:t>
-                      </a:r>
-                      <a:endParaRPr lang="en-US" sz="600" dirty="0"/>
-                    </a:p>
-                  </a:txBody>
-                  <a:tcPr anchor="ctr"/>
-                </a:tc>
-                <a:tc>
-                  <a:txBody>
-                    <a:bodyPr/>
-                    <a:lstStyle/>
-                    <a:p>
                       <a:pPr algn="ctr"/>
                       <a:r>
                         <a:rPr lang="en-US" sz="600" dirty="0" smtClean="0"/>
-                        <a:t>7</a:t>
-                      </a:r>
-                      <a:endParaRPr lang="en-US" sz="600" dirty="0"/>
-                    </a:p>
-                  </a:txBody>
-                  <a:tcPr anchor="ctr"/>
-                </a:tc>
-                <a:tc>
-                  <a:txBody>
-                    <a:bodyPr/>
-                    <a:lstStyle/>
-                    <a:p>
-                      <a:pPr algn="ctr"/>
-                      <a:r>
-                        <a:rPr lang="en-US" sz="600" dirty="0" smtClean="0"/>
-                        <a:t>&lt; 70.63</a:t>
+                        <a:t>8.69%</a:t>
                       </a:r>
                       <a:endParaRPr lang="en-US" sz="600" dirty="0"/>
                     </a:p>
@@ -5193,45 +4238,16 @@
           </a:graphicData>
         </a:graphic>
       </p:graphicFrame>
-      <p:pic>
-        <p:nvPicPr>
-          <p:cNvPr id="27" name="Picture 26" descr="Screen Shot 2013-09-25 at 11.01.21.png"/>
-          <p:cNvPicPr>
-            <a:picLocks noChangeAspect="1"/>
-          </p:cNvPicPr>
+      <p:sp>
+        <p:nvSpPr>
+          <p:cNvPr id="34" name="Rectangle 33"/>
+          <p:cNvSpPr/>
           <p:nvPr/>
-        </p:nvPicPr>
-        <p:blipFill rotWithShape="1">
-          <a:blip r:embed="rId4">
-            <a:extLst>
-              <a:ext uri="{28A0092B-C50C-407E-A947-70E740481C1C}">
-                <a14:useLocalDpi xmlns:a14="http://schemas.microsoft.com/office/drawing/2010/main" val="0"/>
-              </a:ext>
-            </a:extLst>
-          </a:blip>
-          <a:srcRect t="26975"/>
-          <a:stretch/>
-        </p:blipFill>
+        </p:nvSpPr>
         <p:spPr>
           <a:xfrm>
-            <a:off x="-861" y="6749023"/>
-            <a:ext cx="6858000" cy="3183980"/>
-          </a:xfrm>
-          <a:prstGeom prst="rect">
-            <a:avLst/>
-          </a:prstGeom>
-        </p:spPr>
-      </p:pic>
-      <p:sp>
-        <p:nvSpPr>
-          <p:cNvPr id="28" name="TextBox 27"/>
-          <p:cNvSpPr txBox="1"/>
-          <p:nvPr/>
-        </p:nvSpPr>
-        <p:spPr>
-          <a:xfrm>
-            <a:off x="756525" y="6924940"/>
-            <a:ext cx="3093357" cy="1061829"/>
+            <a:off x="1254607" y="5603851"/>
+            <a:ext cx="4534699" cy="1392694"/>
           </a:xfrm>
           <a:prstGeom prst="rect">
             <a:avLst/>
@@ -5240,615 +4256,625 @@
             <a:schemeClr val="bg1"/>
           </a:solidFill>
         </p:spPr>
-        <p:txBody>
-          <a:bodyPr wrap="square" rtlCol="0">
-            <a:spAutoFit/>
-          </a:bodyPr>
-          <a:lstStyle/>
-          <a:p>
-            <a:r>
-              <a:rPr lang="en-US" sz="700" dirty="0" err="1" smtClean="0"/>
-              <a:t>Lorem</a:t>
-            </a:r>
-            <a:r>
-              <a:rPr lang="en-US" sz="700" dirty="0" smtClean="0"/>
-              <a:t> </a:t>
-            </a:r>
-            <a:r>
-              <a:rPr lang="en-US" sz="700" dirty="0" err="1" smtClean="0"/>
-              <a:t>ipsum</a:t>
-            </a:r>
-            <a:r>
-              <a:rPr lang="en-US" sz="700" dirty="0" smtClean="0"/>
-              <a:t> dolor sit </a:t>
-            </a:r>
-            <a:r>
-              <a:rPr lang="en-US" sz="700" dirty="0" err="1" smtClean="0"/>
-              <a:t>amet</a:t>
-            </a:r>
-            <a:r>
-              <a:rPr lang="en-US" sz="700" dirty="0" smtClean="0"/>
-              <a:t>, </a:t>
-            </a:r>
-            <a:r>
-              <a:rPr lang="en-US" sz="700" dirty="0" err="1" smtClean="0"/>
-              <a:t>consectetur</a:t>
-            </a:r>
-            <a:r>
-              <a:rPr lang="en-US" sz="700" dirty="0" smtClean="0"/>
-              <a:t> </a:t>
-            </a:r>
-            <a:r>
-              <a:rPr lang="en-US" sz="700" dirty="0" err="1" smtClean="0"/>
-              <a:t>adipiscing</a:t>
-            </a:r>
-            <a:r>
-              <a:rPr lang="en-US" sz="700" dirty="0" smtClean="0"/>
-              <a:t> </a:t>
-            </a:r>
-            <a:r>
-              <a:rPr lang="en-US" sz="700" dirty="0" err="1" smtClean="0"/>
-              <a:t>elit</a:t>
-            </a:r>
-            <a:r>
-              <a:rPr lang="en-US" sz="700" dirty="0" smtClean="0"/>
-              <a:t>. </a:t>
-            </a:r>
-            <a:r>
-              <a:rPr lang="en-US" sz="700" dirty="0" err="1" smtClean="0"/>
-              <a:t>Cras</a:t>
-            </a:r>
-            <a:r>
-              <a:rPr lang="en-US" sz="700" dirty="0" smtClean="0"/>
-              <a:t> at </a:t>
-            </a:r>
-            <a:r>
-              <a:rPr lang="en-US" sz="700" dirty="0" err="1" smtClean="0"/>
-              <a:t>porta</a:t>
-            </a:r>
-            <a:r>
-              <a:rPr lang="en-US" sz="700" dirty="0" smtClean="0"/>
-              <a:t> </a:t>
-            </a:r>
-            <a:r>
-              <a:rPr lang="en-US" sz="700" dirty="0" err="1" smtClean="0"/>
-              <a:t>orci</a:t>
-            </a:r>
-            <a:r>
-              <a:rPr lang="en-US" sz="700" dirty="0" smtClean="0"/>
-              <a:t>, et </a:t>
-            </a:r>
-            <a:r>
-              <a:rPr lang="en-US" sz="700" dirty="0" err="1" smtClean="0"/>
-              <a:t>porttitor</a:t>
-            </a:r>
-            <a:r>
-              <a:rPr lang="en-US" sz="700" dirty="0" smtClean="0"/>
-              <a:t> </a:t>
-            </a:r>
-            <a:r>
-              <a:rPr lang="en-US" sz="700" dirty="0" err="1" smtClean="0"/>
-              <a:t>justo</a:t>
-            </a:r>
-            <a:r>
-              <a:rPr lang="en-US" sz="700" dirty="0" smtClean="0"/>
-              <a:t>. </a:t>
-            </a:r>
-            <a:r>
-              <a:rPr lang="en-US" sz="700" dirty="0" err="1" smtClean="0"/>
-              <a:t>Proin</a:t>
-            </a:r>
-            <a:r>
-              <a:rPr lang="en-US" sz="700" dirty="0" smtClean="0"/>
-              <a:t> </a:t>
-            </a:r>
-            <a:r>
-              <a:rPr lang="en-US" sz="700" dirty="0" err="1" smtClean="0"/>
-              <a:t>molestie</a:t>
-            </a:r>
-            <a:r>
-              <a:rPr lang="en-US" sz="700" dirty="0" smtClean="0"/>
-              <a:t> </a:t>
-            </a:r>
-            <a:r>
-              <a:rPr lang="en-US" sz="700" dirty="0" err="1" smtClean="0"/>
-              <a:t>ornare</a:t>
-            </a:r>
-            <a:r>
-              <a:rPr lang="en-US" sz="700" dirty="0" smtClean="0"/>
-              <a:t> </a:t>
-            </a:r>
-            <a:r>
-              <a:rPr lang="en-US" sz="700" dirty="0" err="1" smtClean="0"/>
-              <a:t>elit</a:t>
-            </a:r>
-            <a:r>
-              <a:rPr lang="en-US" sz="700" dirty="0" smtClean="0"/>
-              <a:t>, sit </a:t>
-            </a:r>
-            <a:r>
-              <a:rPr lang="en-US" sz="700" dirty="0" err="1" smtClean="0"/>
-              <a:t>amet</a:t>
-            </a:r>
-            <a:r>
-              <a:rPr lang="en-US" sz="700" dirty="0" smtClean="0"/>
-              <a:t> </a:t>
-            </a:r>
-            <a:r>
-              <a:rPr lang="en-US" sz="700" dirty="0" err="1" smtClean="0"/>
-              <a:t>commodo</a:t>
-            </a:r>
-            <a:r>
-              <a:rPr lang="en-US" sz="700" dirty="0" smtClean="0"/>
-              <a:t> </a:t>
-            </a:r>
-            <a:r>
-              <a:rPr lang="en-US" sz="700" dirty="0" err="1" smtClean="0"/>
-              <a:t>est</a:t>
-            </a:r>
-            <a:r>
-              <a:rPr lang="en-US" sz="700" dirty="0" smtClean="0"/>
-              <a:t> semper sit </a:t>
-            </a:r>
-            <a:r>
-              <a:rPr lang="en-US" sz="700" dirty="0" err="1" smtClean="0"/>
-              <a:t>amet</a:t>
-            </a:r>
-            <a:r>
-              <a:rPr lang="en-US" sz="700" dirty="0" smtClean="0"/>
-              <a:t>. </a:t>
-            </a:r>
-            <a:r>
-              <a:rPr lang="en-US" sz="700" dirty="0" err="1" smtClean="0"/>
-              <a:t>Vestibulum</a:t>
-            </a:r>
-            <a:r>
-              <a:rPr lang="en-US" sz="700" dirty="0" smtClean="0"/>
-              <a:t> </a:t>
-            </a:r>
-            <a:r>
-              <a:rPr lang="en-US" sz="700" dirty="0" err="1" smtClean="0"/>
-              <a:t>eget</a:t>
-            </a:r>
-            <a:r>
-              <a:rPr lang="en-US" sz="700" dirty="0" smtClean="0"/>
-              <a:t> </a:t>
-            </a:r>
-            <a:r>
-              <a:rPr lang="en-US" sz="700" dirty="0" err="1" smtClean="0"/>
-              <a:t>accumsan</a:t>
-            </a:r>
-            <a:r>
-              <a:rPr lang="en-US" sz="700" dirty="0" smtClean="0"/>
-              <a:t> </a:t>
-            </a:r>
-            <a:r>
-              <a:rPr lang="en-US" sz="700" dirty="0" err="1" smtClean="0"/>
-              <a:t>eros</a:t>
-            </a:r>
-            <a:r>
-              <a:rPr lang="en-US" sz="700" dirty="0" smtClean="0"/>
-              <a:t>, a </a:t>
-            </a:r>
-            <a:r>
-              <a:rPr lang="en-US" sz="700" dirty="0" err="1" smtClean="0"/>
-              <a:t>convallis</a:t>
-            </a:r>
-            <a:r>
-              <a:rPr lang="en-US" sz="700" dirty="0" smtClean="0"/>
-              <a:t> </a:t>
-            </a:r>
-            <a:r>
-              <a:rPr lang="en-US" sz="700" dirty="0" err="1" smtClean="0"/>
-              <a:t>enim</a:t>
-            </a:r>
-            <a:r>
-              <a:rPr lang="en-US" sz="700" dirty="0" smtClean="0"/>
-              <a:t>. </a:t>
-            </a:r>
-            <a:r>
-              <a:rPr lang="en-US" sz="700" dirty="0" err="1" smtClean="0"/>
-              <a:t>Praesent</a:t>
-            </a:r>
-            <a:r>
-              <a:rPr lang="en-US" sz="700" dirty="0" smtClean="0"/>
-              <a:t> </a:t>
-            </a:r>
-            <a:r>
-              <a:rPr lang="en-US" sz="700" dirty="0" err="1" smtClean="0"/>
-              <a:t>eget</a:t>
-            </a:r>
-            <a:r>
-              <a:rPr lang="en-US" sz="700" dirty="0" smtClean="0"/>
-              <a:t> </a:t>
-            </a:r>
-            <a:r>
-              <a:rPr lang="en-US" sz="700" dirty="0" err="1" smtClean="0"/>
-              <a:t>fermentum</a:t>
-            </a:r>
-            <a:r>
-              <a:rPr lang="en-US" sz="700" dirty="0" smtClean="0"/>
-              <a:t> </a:t>
-            </a:r>
-            <a:r>
-              <a:rPr lang="en-US" sz="700" dirty="0" err="1" smtClean="0"/>
-              <a:t>arcu</a:t>
-            </a:r>
-            <a:r>
-              <a:rPr lang="en-US" sz="700" dirty="0" smtClean="0"/>
-              <a:t>, </a:t>
-            </a:r>
-            <a:r>
-              <a:rPr lang="en-US" sz="700" dirty="0" err="1" smtClean="0"/>
-              <a:t>sed</a:t>
-            </a:r>
-            <a:r>
-              <a:rPr lang="en-US" sz="700" dirty="0" smtClean="0"/>
-              <a:t> </a:t>
-            </a:r>
-            <a:r>
-              <a:rPr lang="en-US" sz="700" dirty="0" err="1" smtClean="0"/>
-              <a:t>ullamcorper</a:t>
-            </a:r>
-            <a:r>
-              <a:rPr lang="en-US" sz="700" dirty="0" smtClean="0"/>
-              <a:t> </a:t>
-            </a:r>
-            <a:r>
-              <a:rPr lang="en-US" sz="700" dirty="0" err="1" smtClean="0"/>
-              <a:t>nisl</a:t>
-            </a:r>
-            <a:r>
-              <a:rPr lang="en-US" sz="700" dirty="0" smtClean="0"/>
-              <a:t>. Class </a:t>
-            </a:r>
-            <a:r>
-              <a:rPr lang="en-US" sz="700" dirty="0" err="1" smtClean="0"/>
-              <a:t>aptent</a:t>
-            </a:r>
-            <a:r>
-              <a:rPr lang="en-US" sz="700" dirty="0" smtClean="0"/>
-              <a:t> </a:t>
-            </a:r>
-            <a:r>
-              <a:rPr lang="en-US" sz="700" dirty="0" err="1" smtClean="0"/>
-              <a:t>taciti</a:t>
-            </a:r>
-            <a:r>
-              <a:rPr lang="en-US" sz="700" dirty="0" smtClean="0"/>
-              <a:t> </a:t>
-            </a:r>
-            <a:r>
-              <a:rPr lang="en-US" sz="700" dirty="0" err="1" smtClean="0"/>
-              <a:t>sociosqu</a:t>
-            </a:r>
-            <a:r>
-              <a:rPr lang="en-US" sz="700" dirty="0" smtClean="0"/>
-              <a:t> ad </a:t>
-            </a:r>
-            <a:r>
-              <a:rPr lang="en-US" sz="700" dirty="0" err="1" smtClean="0"/>
-              <a:t>litora</a:t>
-            </a:r>
-            <a:r>
-              <a:rPr lang="en-US" sz="700" dirty="0" smtClean="0"/>
-              <a:t> </a:t>
-            </a:r>
-            <a:r>
-              <a:rPr lang="en-US" sz="700" dirty="0" err="1" smtClean="0"/>
-              <a:t>torquent</a:t>
-            </a:r>
-            <a:r>
-              <a:rPr lang="en-US" sz="700" dirty="0" smtClean="0"/>
-              <a:t> per </a:t>
-            </a:r>
-            <a:r>
-              <a:rPr lang="en-US" sz="700" dirty="0" err="1" smtClean="0"/>
-              <a:t>conubia</a:t>
-            </a:r>
-            <a:r>
-              <a:rPr lang="en-US" sz="700" dirty="0" smtClean="0"/>
-              <a:t> nostra, per </a:t>
-            </a:r>
-            <a:r>
-              <a:rPr lang="en-US" sz="700" dirty="0" err="1" smtClean="0"/>
-              <a:t>inceptos</a:t>
-            </a:r>
-            <a:r>
-              <a:rPr lang="en-US" sz="700" dirty="0" smtClean="0"/>
-              <a:t> </a:t>
-            </a:r>
-            <a:r>
-              <a:rPr lang="en-US" sz="700" dirty="0" err="1" smtClean="0"/>
-              <a:t>himenaeos</a:t>
-            </a:r>
-            <a:r>
-              <a:rPr lang="en-US" sz="700" dirty="0" smtClean="0"/>
-              <a:t>. </a:t>
-            </a:r>
-            <a:r>
-              <a:rPr lang="en-US" sz="700" dirty="0" err="1" smtClean="0"/>
-              <a:t>Sed</a:t>
-            </a:r>
-            <a:r>
-              <a:rPr lang="en-US" sz="700" dirty="0" smtClean="0"/>
-              <a:t> </a:t>
-            </a:r>
-            <a:r>
-              <a:rPr lang="en-US" sz="700" dirty="0" err="1" smtClean="0"/>
-              <a:t>vel</a:t>
-            </a:r>
-            <a:r>
-              <a:rPr lang="en-US" sz="700" dirty="0" smtClean="0"/>
-              <a:t> </a:t>
-            </a:r>
-            <a:r>
-              <a:rPr lang="en-US" sz="700" dirty="0" err="1" smtClean="0"/>
-              <a:t>urna</a:t>
-            </a:r>
-            <a:r>
-              <a:rPr lang="en-US" sz="700" dirty="0" smtClean="0"/>
-              <a:t> </a:t>
-            </a:r>
-            <a:r>
-              <a:rPr lang="en-US" sz="700" dirty="0" err="1" smtClean="0"/>
-              <a:t>augue</a:t>
-            </a:r>
-            <a:r>
-              <a:rPr lang="en-US" sz="700" dirty="0" smtClean="0"/>
-              <a:t>. Class </a:t>
-            </a:r>
-            <a:r>
-              <a:rPr lang="en-US" sz="700" dirty="0" err="1" smtClean="0"/>
-              <a:t>aptent</a:t>
-            </a:r>
-            <a:r>
-              <a:rPr lang="en-US" sz="700" dirty="0" smtClean="0"/>
-              <a:t> </a:t>
-            </a:r>
-            <a:r>
-              <a:rPr lang="en-US" sz="700" dirty="0" err="1" smtClean="0"/>
-              <a:t>taciti</a:t>
-            </a:r>
-            <a:r>
-              <a:rPr lang="en-US" sz="700" dirty="0" smtClean="0"/>
-              <a:t> </a:t>
-            </a:r>
-            <a:r>
-              <a:rPr lang="en-US" sz="700" dirty="0" err="1" smtClean="0"/>
-              <a:t>sociosqu</a:t>
-            </a:r>
-            <a:r>
-              <a:rPr lang="en-US" sz="700" dirty="0" smtClean="0"/>
-              <a:t> ad </a:t>
-            </a:r>
-            <a:r>
-              <a:rPr lang="en-US" sz="700" dirty="0" err="1" smtClean="0"/>
-              <a:t>litora</a:t>
-            </a:r>
-            <a:r>
-              <a:rPr lang="en-US" sz="700" dirty="0" smtClean="0"/>
-              <a:t> </a:t>
-            </a:r>
-            <a:r>
-              <a:rPr lang="en-US" sz="700" dirty="0" err="1" smtClean="0"/>
-              <a:t>torquent</a:t>
-            </a:r>
-            <a:r>
-              <a:rPr lang="en-US" sz="700" dirty="0" smtClean="0"/>
-              <a:t> per </a:t>
-            </a:r>
-            <a:r>
-              <a:rPr lang="en-US" sz="700" dirty="0" err="1" smtClean="0"/>
-              <a:t>conubia</a:t>
-            </a:r>
-            <a:r>
-              <a:rPr lang="en-US" sz="700" dirty="0" smtClean="0"/>
-              <a:t> nostra, per </a:t>
-            </a:r>
-            <a:r>
-              <a:rPr lang="en-US" sz="700" dirty="0" err="1" smtClean="0"/>
-              <a:t>inceptos</a:t>
-            </a:r>
-            <a:r>
-              <a:rPr lang="en-US" sz="700" dirty="0" smtClean="0"/>
-              <a:t> </a:t>
-            </a:r>
-            <a:r>
-              <a:rPr lang="en-US" sz="700" dirty="0" err="1" smtClean="0"/>
-              <a:t>himenaeos</a:t>
-            </a:r>
-            <a:r>
-              <a:rPr lang="en-US" sz="700" dirty="0" smtClean="0"/>
-              <a:t>. </a:t>
-            </a:r>
-            <a:r>
-              <a:rPr lang="en-US" sz="700" dirty="0" err="1" smtClean="0"/>
-              <a:t>Donec</a:t>
-            </a:r>
-            <a:r>
-              <a:rPr lang="en-US" sz="700" dirty="0" smtClean="0"/>
-              <a:t> vitae </a:t>
-            </a:r>
-            <a:r>
-              <a:rPr lang="en-US" sz="700" dirty="0" err="1" smtClean="0"/>
-              <a:t>massa</a:t>
-            </a:r>
-            <a:r>
-              <a:rPr lang="en-US" sz="700" dirty="0" smtClean="0"/>
-              <a:t> </a:t>
-            </a:r>
-            <a:r>
-              <a:rPr lang="en-US" sz="700" dirty="0" err="1" smtClean="0"/>
-              <a:t>ut</a:t>
-            </a:r>
-            <a:r>
-              <a:rPr lang="en-US" sz="700" dirty="0" smtClean="0"/>
-              <a:t> </a:t>
-            </a:r>
-            <a:r>
-              <a:rPr lang="en-US" sz="700" dirty="0" err="1" smtClean="0"/>
-              <a:t>erat</a:t>
-            </a:r>
-            <a:r>
-              <a:rPr lang="en-US" sz="700" dirty="0" smtClean="0"/>
-              <a:t> </a:t>
-            </a:r>
-            <a:r>
-              <a:rPr lang="en-US" sz="700" dirty="0" err="1" smtClean="0"/>
-              <a:t>placerat</a:t>
-            </a:r>
-            <a:r>
-              <a:rPr lang="en-US" sz="700" dirty="0" smtClean="0"/>
-              <a:t> </a:t>
-            </a:r>
-            <a:r>
-              <a:rPr lang="en-US" sz="700" dirty="0" err="1" smtClean="0"/>
-              <a:t>placerat</a:t>
-            </a:r>
-            <a:r>
-              <a:rPr lang="en-US" sz="700" dirty="0" smtClean="0"/>
-              <a:t> </a:t>
-            </a:r>
-            <a:r>
-              <a:rPr lang="en-US" sz="700" dirty="0" err="1" smtClean="0"/>
-              <a:t>ut</a:t>
-            </a:r>
-            <a:r>
-              <a:rPr lang="en-US" sz="700" dirty="0" smtClean="0"/>
-              <a:t> non </a:t>
-            </a:r>
-            <a:r>
-              <a:rPr lang="en-US" sz="700" dirty="0" err="1" smtClean="0"/>
-              <a:t>elit</a:t>
-            </a:r>
-            <a:r>
-              <a:rPr lang="en-US" sz="700" dirty="0" smtClean="0"/>
-              <a:t>. </a:t>
-            </a:r>
-            <a:r>
-              <a:rPr lang="en-US" sz="700" dirty="0" err="1" smtClean="0"/>
-              <a:t>Aenean</a:t>
-            </a:r>
-            <a:r>
-              <a:rPr lang="en-US" sz="700" dirty="0" smtClean="0"/>
-              <a:t> </a:t>
-            </a:r>
-            <a:r>
-              <a:rPr lang="en-US" sz="700" dirty="0" err="1" smtClean="0"/>
-              <a:t>vel</a:t>
-            </a:r>
-            <a:r>
-              <a:rPr lang="en-US" sz="700" dirty="0" smtClean="0"/>
-              <a:t> </a:t>
-            </a:r>
-            <a:r>
-              <a:rPr lang="en-US" sz="700" dirty="0" err="1" smtClean="0"/>
-              <a:t>porttitor</a:t>
-            </a:r>
-            <a:r>
-              <a:rPr lang="en-US" sz="700" dirty="0" smtClean="0"/>
-              <a:t> lacus. In </a:t>
-            </a:r>
-            <a:r>
-              <a:rPr lang="en-US" sz="700" dirty="0" err="1" smtClean="0"/>
-              <a:t>pellentesque</a:t>
-            </a:r>
-            <a:r>
-              <a:rPr lang="en-US" sz="700" dirty="0" smtClean="0"/>
-              <a:t> non </a:t>
-            </a:r>
-            <a:r>
-              <a:rPr lang="en-US" sz="700" dirty="0" err="1" smtClean="0"/>
-              <a:t>libero</a:t>
-            </a:r>
-            <a:r>
-              <a:rPr lang="en-US" sz="700" dirty="0" smtClean="0"/>
-              <a:t> </a:t>
-            </a:r>
-            <a:r>
-              <a:rPr lang="en-US" sz="700" dirty="0" err="1" smtClean="0"/>
-              <a:t>pulvinar</a:t>
-            </a:r>
-            <a:r>
-              <a:rPr lang="en-US" sz="700" dirty="0" smtClean="0"/>
-              <a:t> </a:t>
-            </a:r>
-            <a:r>
-              <a:rPr lang="en-US" sz="700" dirty="0" err="1" smtClean="0"/>
-              <a:t>rhoncus</a:t>
-            </a:r>
-            <a:r>
-              <a:rPr lang="en-US" sz="700" dirty="0" smtClean="0"/>
-              <a:t>. </a:t>
-            </a:r>
-            <a:r>
-              <a:rPr lang="en-US" sz="700" dirty="0" err="1" smtClean="0"/>
-              <a:t>Suspendisse</a:t>
-            </a:r>
-            <a:r>
-              <a:rPr lang="en-US" sz="700" dirty="0" smtClean="0"/>
-              <a:t> </a:t>
-            </a:r>
-            <a:r>
-              <a:rPr lang="en-US" sz="700" dirty="0" err="1" smtClean="0"/>
-              <a:t>pharetra</a:t>
-            </a:r>
-            <a:r>
-              <a:rPr lang="en-US" sz="700" dirty="0" smtClean="0"/>
-              <a:t> </a:t>
-            </a:r>
-            <a:r>
-              <a:rPr lang="en-US" sz="700" dirty="0" err="1" smtClean="0"/>
-              <a:t>auctor</a:t>
-            </a:r>
-            <a:r>
-              <a:rPr lang="en-US" sz="700" dirty="0" smtClean="0"/>
-              <a:t> </a:t>
-            </a:r>
-            <a:r>
-              <a:rPr lang="en-US" sz="700" dirty="0" err="1" smtClean="0"/>
-              <a:t>enim</a:t>
-            </a:r>
-            <a:r>
-              <a:rPr lang="en-US" sz="700" dirty="0" smtClean="0"/>
-              <a:t> id </a:t>
-            </a:r>
-            <a:r>
-              <a:rPr lang="en-US" sz="700" dirty="0" err="1" smtClean="0"/>
-              <a:t>vestibulum</a:t>
-            </a:r>
-            <a:r>
-              <a:rPr lang="en-US" sz="700" dirty="0" smtClean="0"/>
-              <a:t>.</a:t>
-            </a:r>
-            <a:endParaRPr lang="en-US" sz="700" dirty="0"/>
+        <p:style>
+          <a:lnRef idx="1">
+            <a:schemeClr val="accent1"/>
+          </a:lnRef>
+          <a:fillRef idx="3">
+            <a:schemeClr val="accent1"/>
+          </a:fillRef>
+          <a:effectRef idx="2">
+            <a:schemeClr val="accent1"/>
+          </a:effectRef>
+          <a:fontRef idx="minor">
+            <a:schemeClr val="lt1"/>
+          </a:fontRef>
+        </p:style>
+        <p:txBody>
+          <a:bodyPr rtlCol="0" anchor="ctr"/>
+          <a:lstStyle/>
+          <a:p>
+            <a:pPr algn="ctr"/>
+            <a:endParaRPr lang="en-US" noProof="1"/>
           </a:p>
         </p:txBody>
       </p:sp>
       <p:pic>
         <p:nvPicPr>
-          <p:cNvPr id="29" name="Picture 28"/>
+          <p:cNvPr id="48" name="Picture 47" descr="Screen Shot 2013-09-25 at 16.31.32.png"/>
+          <p:cNvPicPr>
+            <a:picLocks noChangeAspect="1"/>
+          </p:cNvPicPr>
+          <p:nvPr/>
+        </p:nvPicPr>
+        <p:blipFill>
+          <a:blip r:embed="rId7">
+            <a:extLst>
+              <a:ext uri="{28A0092B-C50C-407E-A947-70E740481C1C}">
+                <a14:useLocalDpi xmlns:a14="http://schemas.microsoft.com/office/drawing/2010/main" val="0"/>
+              </a:ext>
+            </a:extLst>
+          </a:blip>
+          <a:stretch>
+            <a:fillRect/>
+          </a:stretch>
+        </p:blipFill>
+        <p:spPr>
+          <a:xfrm>
+            <a:off x="1612227" y="5983959"/>
+            <a:ext cx="3716085" cy="878907"/>
+          </a:xfrm>
+          <a:prstGeom prst="rect">
+            <a:avLst/>
+          </a:prstGeom>
+        </p:spPr>
+      </p:pic>
+      <p:sp>
+        <p:nvSpPr>
+          <p:cNvPr id="36" name="TextBox 35"/>
+          <p:cNvSpPr txBox="1"/>
+          <p:nvPr/>
+        </p:nvSpPr>
+        <p:spPr>
+          <a:xfrm>
+            <a:off x="1647299" y="6761108"/>
+            <a:ext cx="1278907" cy="152784"/>
+          </a:xfrm>
+          <a:prstGeom prst="rect">
+            <a:avLst/>
+          </a:prstGeom>
+          <a:solidFill>
+            <a:schemeClr val="bg1"/>
+          </a:solidFill>
+        </p:spPr>
+        <p:txBody>
+          <a:bodyPr wrap="square" lIns="0" tIns="0" rIns="0" bIns="0" rtlCol="0">
+            <a:noAutofit/>
+          </a:bodyPr>
+          <a:lstStyle/>
+          <a:p>
+            <a:r>
+              <a:rPr lang="en-US" sz="500" noProof="1" smtClean="0"/>
+              <a:t>0     2     4     6     8     10     12     14     16     18     20</a:t>
+            </a:r>
+            <a:endParaRPr lang="en-US" sz="500" noProof="1"/>
+          </a:p>
+        </p:txBody>
+      </p:sp>
+      <p:sp>
+        <p:nvSpPr>
+          <p:cNvPr id="37" name="TextBox 36"/>
+          <p:cNvSpPr txBox="1"/>
+          <p:nvPr/>
+        </p:nvSpPr>
+        <p:spPr>
+          <a:xfrm>
+            <a:off x="2971217" y="6761108"/>
+            <a:ext cx="2369123" cy="152784"/>
+          </a:xfrm>
+          <a:prstGeom prst="rect">
+            <a:avLst/>
+          </a:prstGeom>
+          <a:solidFill>
+            <a:schemeClr val="bg1"/>
+          </a:solidFill>
+        </p:spPr>
+        <p:txBody>
+          <a:bodyPr wrap="square" lIns="0" tIns="0" rIns="0" bIns="0" rtlCol="0">
+            <a:noAutofit/>
+          </a:bodyPr>
+          <a:lstStyle/>
+          <a:p>
+            <a:r>
+              <a:rPr lang="en-US" sz="500" noProof="1" smtClean="0"/>
+              <a:t>0    1    2    3    4    5    6    7    8    9    10    11    12    13    14    15    16    17    18    19    20    21</a:t>
+            </a:r>
+            <a:endParaRPr lang="en-US" sz="500" noProof="1"/>
+          </a:p>
+        </p:txBody>
+      </p:sp>
+      <p:pic>
+        <p:nvPicPr>
+          <p:cNvPr id="39" name="Picture 38" descr="foo2.png"/>
           <p:cNvPicPr>
             <a:picLocks noChangeAspect="1"/>
           </p:cNvPicPr>
           <p:nvPr/>
         </p:nvPicPr>
         <p:blipFill rotWithShape="1">
-          <a:blip r:embed="rId10"/>
-          <a:srcRect l="2308" t="9083" r="90370" b="17206"/>
+          <a:blip r:embed="rId8">
+            <a:extLst>
+              <a:ext uri="{28A0092B-C50C-407E-A947-70E740481C1C}">
+                <a14:useLocalDpi xmlns:a14="http://schemas.microsoft.com/office/drawing/2010/main" val="0"/>
+              </a:ext>
+            </a:extLst>
+          </a:blip>
+          <a:srcRect t="-19761" b="-1"/>
           <a:stretch/>
         </p:blipFill>
         <p:spPr>
           <a:xfrm>
-            <a:off x="5834303" y="4841543"/>
-            <a:ext cx="211073" cy="1600200"/>
+            <a:off x="2999005" y="6086938"/>
+            <a:ext cx="2124518" cy="634597"/>
+          </a:xfrm>
+          <a:prstGeom prst="rect">
+            <a:avLst/>
+          </a:prstGeom>
+          <a:solidFill>
+            <a:schemeClr val="bg1"/>
+          </a:solidFill>
+        </p:spPr>
+      </p:pic>
+      <p:pic>
+        <p:nvPicPr>
+          <p:cNvPr id="40" name="Picture 39" descr="foo1.png"/>
+          <p:cNvPicPr>
+            <a:picLocks noChangeAspect="1"/>
+          </p:cNvPicPr>
+          <p:nvPr/>
+        </p:nvPicPr>
+        <p:blipFill rotWithShape="1">
+          <a:blip r:embed="rId9">
+            <a:extLst>
+              <a:ext uri="{28A0092B-C50C-407E-A947-70E740481C1C}">
+                <a14:useLocalDpi xmlns:a14="http://schemas.microsoft.com/office/drawing/2010/main" val="0"/>
+              </a:ext>
+            </a:extLst>
+          </a:blip>
+          <a:srcRect r="15861"/>
+          <a:stretch/>
+        </p:blipFill>
+        <p:spPr>
+          <a:xfrm>
+            <a:off x="3323544" y="6142628"/>
+            <a:ext cx="1952943" cy="578906"/>
           </a:xfrm>
           <a:prstGeom prst="rect">
             <a:avLst/>
           </a:prstGeom>
         </p:spPr>
       </p:pic>
+      <p:grpSp>
+        <p:nvGrpSpPr>
+          <p:cNvPr id="41" name="Group 40"/>
+          <p:cNvGrpSpPr/>
+          <p:nvPr/>
+        </p:nvGrpSpPr>
+        <p:grpSpPr>
+          <a:xfrm>
+            <a:off x="4696195" y="6180948"/>
+            <a:ext cx="764509" cy="304041"/>
+            <a:chOff x="5342961" y="2973366"/>
+            <a:chExt cx="764509" cy="304041"/>
+          </a:xfrm>
+        </p:grpSpPr>
+        <p:sp>
+          <p:nvSpPr>
+            <p:cNvPr id="42" name="Rectangle 41"/>
+            <p:cNvSpPr/>
+            <p:nvPr/>
+          </p:nvSpPr>
+          <p:spPr>
+            <a:xfrm>
+              <a:off x="5342961" y="3174260"/>
+              <a:ext cx="93064" cy="82111"/>
+            </a:xfrm>
+            <a:prstGeom prst="rect">
+              <a:avLst/>
+            </a:prstGeom>
+            <a:solidFill>
+              <a:schemeClr val="bg1">
+                <a:lumMod val="50000"/>
+              </a:schemeClr>
+            </a:solidFill>
+            <a:ln>
+              <a:noFill/>
+            </a:ln>
+            <a:effectLst/>
+          </p:spPr>
+          <p:style>
+            <a:lnRef idx="1">
+              <a:schemeClr val="accent1"/>
+            </a:lnRef>
+            <a:fillRef idx="3">
+              <a:schemeClr val="accent1"/>
+            </a:fillRef>
+            <a:effectRef idx="2">
+              <a:schemeClr val="accent1"/>
+            </a:effectRef>
+            <a:fontRef idx="minor">
+              <a:schemeClr val="lt1"/>
+            </a:fontRef>
+          </p:style>
+          <p:txBody>
+            <a:bodyPr rtlCol="0" anchor="ctr"/>
+            <a:lstStyle/>
+            <a:p>
+              <a:pPr algn="ctr"/>
+              <a:endParaRPr lang="en-US" noProof="1"/>
+            </a:p>
+          </p:txBody>
+        </p:sp>
+        <p:sp>
+          <p:nvSpPr>
+            <p:cNvPr id="43" name="Rectangle 42"/>
+            <p:cNvSpPr/>
+            <p:nvPr/>
+          </p:nvSpPr>
+          <p:spPr>
+            <a:xfrm>
+              <a:off x="5342961" y="2973366"/>
+              <a:ext cx="93064" cy="82111"/>
+            </a:xfrm>
+            <a:prstGeom prst="rect">
+              <a:avLst/>
+            </a:prstGeom>
+            <a:solidFill>
+              <a:schemeClr val="tx2">
+                <a:lumMod val="60000"/>
+                <a:lumOff val="40000"/>
+              </a:schemeClr>
+            </a:solidFill>
+            <a:ln>
+              <a:noFill/>
+            </a:ln>
+            <a:effectLst/>
+          </p:spPr>
+          <p:style>
+            <a:lnRef idx="1">
+              <a:schemeClr val="accent1"/>
+            </a:lnRef>
+            <a:fillRef idx="3">
+              <a:schemeClr val="accent1"/>
+            </a:fillRef>
+            <a:effectRef idx="2">
+              <a:schemeClr val="accent1"/>
+            </a:effectRef>
+            <a:fontRef idx="minor">
+              <a:schemeClr val="lt1"/>
+            </a:fontRef>
+          </p:style>
+          <p:txBody>
+            <a:bodyPr rtlCol="0" anchor="ctr"/>
+            <a:lstStyle/>
+            <a:p>
+              <a:pPr algn="ctr"/>
+              <a:endParaRPr lang="en-US" noProof="1"/>
+            </a:p>
+          </p:txBody>
+        </p:sp>
+        <p:sp>
+          <p:nvSpPr>
+            <p:cNvPr id="44" name="TextBox 43"/>
+            <p:cNvSpPr txBox="1"/>
+            <p:nvPr/>
+          </p:nvSpPr>
+          <p:spPr>
+            <a:xfrm>
+              <a:off x="5457941" y="2978840"/>
+              <a:ext cx="639453" cy="108543"/>
+            </a:xfrm>
+            <a:prstGeom prst="rect">
+              <a:avLst/>
+            </a:prstGeom>
+            <a:solidFill>
+              <a:schemeClr val="bg1"/>
+            </a:solidFill>
+          </p:spPr>
+          <p:txBody>
+            <a:bodyPr wrap="square" lIns="0" tIns="0" rIns="0" bIns="0" rtlCol="0">
+              <a:noAutofit/>
+            </a:bodyPr>
+            <a:lstStyle/>
+            <a:p>
+              <a:r>
+                <a:rPr lang="en-US" sz="500" noProof="1" smtClean="0"/>
+                <a:t>Expected, following Addington closure</a:t>
+              </a:r>
+              <a:endParaRPr lang="en-US" sz="500" noProof="1"/>
+            </a:p>
+          </p:txBody>
+        </p:sp>
+        <p:sp>
+          <p:nvSpPr>
+            <p:cNvPr id="45" name="TextBox 44"/>
+            <p:cNvSpPr txBox="1"/>
+            <p:nvPr/>
+          </p:nvSpPr>
+          <p:spPr>
+            <a:xfrm>
+              <a:off x="5468017" y="3168864"/>
+              <a:ext cx="639453" cy="108543"/>
+            </a:xfrm>
+            <a:prstGeom prst="rect">
+              <a:avLst/>
+            </a:prstGeom>
+            <a:solidFill>
+              <a:schemeClr val="bg1"/>
+            </a:solidFill>
+          </p:spPr>
+          <p:txBody>
+            <a:bodyPr wrap="square" lIns="0" tIns="0" rIns="0" bIns="0" rtlCol="0">
+              <a:noAutofit/>
+            </a:bodyPr>
+            <a:lstStyle/>
+            <a:p>
+              <a:r>
+                <a:rPr lang="en-US" sz="500" noProof="1" smtClean="0"/>
+                <a:t>Addington</a:t>
+              </a:r>
+              <a:endParaRPr lang="en-US" sz="500" noProof="1"/>
+            </a:p>
+          </p:txBody>
+        </p:sp>
+      </p:grpSp>
+      <p:sp>
+        <p:nvSpPr>
+          <p:cNvPr id="47" name="TextBox 46"/>
+          <p:cNvSpPr txBox="1"/>
+          <p:nvPr/>
+        </p:nvSpPr>
+        <p:spPr>
+          <a:xfrm>
+            <a:off x="2922209" y="5935212"/>
+            <a:ext cx="2585358" cy="200055"/>
+          </a:xfrm>
+          <a:prstGeom prst="rect">
+            <a:avLst/>
+          </a:prstGeom>
+          <a:solidFill>
+            <a:schemeClr val="bg1"/>
+          </a:solidFill>
+        </p:spPr>
+        <p:txBody>
+          <a:bodyPr wrap="square" rtlCol="0">
+            <a:spAutoFit/>
+          </a:bodyPr>
+          <a:lstStyle/>
+          <a:p>
+            <a:r>
+              <a:rPr lang="en-US" sz="700" noProof="1" smtClean="0"/>
+              <a:t>Distance of incident from station (mi.)</a:t>
+            </a:r>
+            <a:endParaRPr lang="en-US" sz="700" noProof="1"/>
+          </a:p>
+        </p:txBody>
+      </p:sp>
+      <p:pic>
+        <p:nvPicPr>
+          <p:cNvPr id="46" name="Picture 45" descr="foo3.png"/>
+          <p:cNvPicPr>
+            <a:picLocks noChangeAspect="1"/>
+          </p:cNvPicPr>
+          <p:nvPr/>
+        </p:nvPicPr>
+        <p:blipFill rotWithShape="1">
+          <a:blip r:embed="rId10">
+            <a:extLst>
+              <a:ext uri="{28A0092B-C50C-407E-A947-70E740481C1C}">
+                <a14:useLocalDpi xmlns:a14="http://schemas.microsoft.com/office/drawing/2010/main" val="0"/>
+              </a:ext>
+            </a:extLst>
+          </a:blip>
+          <a:srcRect l="-7708" t="-38149" b="-1"/>
+          <a:stretch/>
+        </p:blipFill>
+        <p:spPr>
+          <a:xfrm>
+            <a:off x="1612228" y="5983959"/>
+            <a:ext cx="1185564" cy="733171"/>
+          </a:xfrm>
+          <a:prstGeom prst="rect">
+            <a:avLst/>
+          </a:prstGeom>
+          <a:solidFill>
+            <a:schemeClr val="bg1"/>
+          </a:solidFill>
+        </p:spPr>
+      </p:pic>
+      <p:pic>
+        <p:nvPicPr>
+          <p:cNvPr id="38" name="Picture 37" descr="foo.png"/>
+          <p:cNvPicPr>
+            <a:picLocks noChangeAspect="1"/>
+          </p:cNvPicPr>
+          <p:nvPr/>
+        </p:nvPicPr>
+        <p:blipFill>
+          <a:blip r:embed="rId11">
+            <a:extLst>
+              <a:ext uri="{28A0092B-C50C-407E-A947-70E740481C1C}">
+                <a14:useLocalDpi xmlns:a14="http://schemas.microsoft.com/office/drawing/2010/main" val="0"/>
+              </a:ext>
+            </a:extLst>
+          </a:blip>
+          <a:stretch>
+            <a:fillRect/>
+          </a:stretch>
+        </p:blipFill>
+        <p:spPr>
+          <a:xfrm>
+            <a:off x="1865516" y="6126208"/>
+            <a:ext cx="1232157" cy="594075"/>
+          </a:xfrm>
+          <a:prstGeom prst="rect">
+            <a:avLst/>
+          </a:prstGeom>
+        </p:spPr>
+      </p:pic>
+      <p:sp>
+        <p:nvSpPr>
+          <p:cNvPr id="49" name="TextBox 48"/>
+          <p:cNvSpPr txBox="1"/>
+          <p:nvPr/>
+        </p:nvSpPr>
+        <p:spPr>
+          <a:xfrm>
+            <a:off x="1254606" y="5601500"/>
+            <a:ext cx="4379576" cy="323165"/>
+          </a:xfrm>
+          <a:prstGeom prst="rect">
+            <a:avLst/>
+          </a:prstGeom>
+          <a:solidFill>
+            <a:schemeClr val="bg1"/>
+          </a:solidFill>
+        </p:spPr>
+        <p:txBody>
+          <a:bodyPr wrap="square" rtlCol="0">
+            <a:spAutoFit/>
+          </a:bodyPr>
+          <a:lstStyle/>
+          <a:p>
+            <a:r>
+              <a:rPr lang="en-US" sz="800" b="1" noProof="1" smtClean="0"/>
+              <a:t>Closure of Addington station</a:t>
+            </a:r>
+          </a:p>
+          <a:p>
+            <a:r>
+              <a:rPr lang="en-US" sz="700" noProof="1" smtClean="0"/>
+              <a:t>Alternative </a:t>
+            </a:r>
+            <a:r>
+              <a:rPr lang="en-US" sz="700" noProof="1" smtClean="0"/>
+              <a:t>fire station most likely to fill in: </a:t>
+            </a:r>
+            <a:r>
+              <a:rPr lang="en-US" sz="700" b="1" noProof="1" smtClean="0"/>
+              <a:t>Woodside</a:t>
+            </a:r>
+            <a:endParaRPr lang="en-US" sz="700" b="1" noProof="1"/>
+          </a:p>
+        </p:txBody>
+      </p:sp>
+      <p:sp>
+        <p:nvSpPr>
+          <p:cNvPr id="35" name="TextBox 34"/>
+          <p:cNvSpPr txBox="1"/>
+          <p:nvPr/>
+        </p:nvSpPr>
+        <p:spPr>
+          <a:xfrm>
+            <a:off x="1646557" y="5930947"/>
+            <a:ext cx="1270339" cy="200055"/>
+          </a:xfrm>
+          <a:prstGeom prst="rect">
+            <a:avLst/>
+          </a:prstGeom>
+          <a:solidFill>
+            <a:schemeClr val="bg1"/>
+          </a:solidFill>
+        </p:spPr>
+        <p:txBody>
+          <a:bodyPr wrap="square" rtlCol="0">
+            <a:spAutoFit/>
+          </a:bodyPr>
+          <a:lstStyle/>
+          <a:p>
+            <a:r>
+              <a:rPr lang="en-US" sz="700" noProof="1" smtClean="0"/>
+              <a:t>Attendance time (min.)</a:t>
+            </a:r>
+            <a:endParaRPr lang="en-US" sz="700" noProof="1"/>
+          </a:p>
+        </p:txBody>
+      </p:sp>
+      <p:cxnSp>
+        <p:nvCxnSpPr>
+          <p:cNvPr id="50" name="Straight Connector 49"/>
+          <p:cNvCxnSpPr/>
+          <p:nvPr/>
+        </p:nvCxnSpPr>
+        <p:spPr>
+          <a:xfrm>
+            <a:off x="2029864" y="6099720"/>
+            <a:ext cx="0" cy="643580"/>
+          </a:xfrm>
+          <a:prstGeom prst="line">
+            <a:avLst/>
+          </a:prstGeom>
+          <a:ln w="12700">
+            <a:solidFill>
+              <a:schemeClr val="tx1"/>
+            </a:solidFill>
+            <a:prstDash val="sysDash"/>
+          </a:ln>
+          <a:effectLst/>
+        </p:spPr>
+        <p:style>
+          <a:lnRef idx="2">
+            <a:schemeClr val="accent1"/>
+          </a:lnRef>
+          <a:fillRef idx="0">
+            <a:schemeClr val="accent1"/>
+          </a:fillRef>
+          <a:effectRef idx="1">
+            <a:schemeClr val="accent1"/>
+          </a:effectRef>
+          <a:fontRef idx="minor">
+            <a:schemeClr val="tx1"/>
+          </a:fontRef>
+        </p:style>
+      </p:cxnSp>
+      <p:sp>
+        <p:nvSpPr>
+          <p:cNvPr id="51" name="Rounded Rectangular Callout 50"/>
+          <p:cNvSpPr/>
+          <p:nvPr/>
+        </p:nvSpPr>
+        <p:spPr>
+          <a:xfrm>
+            <a:off x="4972999" y="2570788"/>
+            <a:ext cx="955250" cy="1046788"/>
+          </a:xfrm>
+          <a:prstGeom prst="wedgeRoundRectCallout">
+            <a:avLst>
+              <a:gd name="adj1" fmla="val -21010"/>
+              <a:gd name="adj2" fmla="val 175118"/>
+              <a:gd name="adj3" fmla="val 16667"/>
+            </a:avLst>
+          </a:prstGeom>
+          <a:solidFill>
+            <a:srgbClr val="FFFF00">
+              <a:alpha val="59000"/>
+            </a:srgbClr>
+          </a:solidFill>
+        </p:spPr>
+        <p:style>
+          <a:lnRef idx="1">
+            <a:schemeClr val="accent1"/>
+          </a:lnRef>
+          <a:fillRef idx="3">
+            <a:schemeClr val="accent1"/>
+          </a:fillRef>
+          <a:effectRef idx="2">
+            <a:schemeClr val="accent1"/>
+          </a:effectRef>
+          <a:fontRef idx="minor">
+            <a:schemeClr val="lt1"/>
+          </a:fontRef>
+        </p:style>
+        <p:txBody>
+          <a:bodyPr rtlCol="0" anchor="t"/>
+          <a:lstStyle/>
+          <a:p>
+            <a:r>
+              <a:rPr lang="en-US" sz="800" noProof="1" smtClean="0">
+                <a:solidFill>
+                  <a:schemeClr val="tx1"/>
+                </a:solidFill>
+              </a:rPr>
+              <a:t>One month is selected, that is 8.33% of one year (assuming incidents distribute evenly in time).</a:t>
+            </a:r>
+            <a:endParaRPr lang="en-US" sz="800" noProof="1">
+              <a:solidFill>
+                <a:schemeClr val="tx1"/>
+              </a:solidFill>
+            </a:endParaRPr>
+          </a:p>
+        </p:txBody>
+      </p:sp>
     </p:spTree>
     <p:extLst>
       <p:ext uri="{BB962C8B-B14F-4D97-AF65-F5344CB8AC3E}">

--- a/docs/mockup.pptx
+++ b/docs/mockup.pptx
@@ -3440,13 +3440,13 @@
           <p:nvPr>
             <p:extLst>
               <p:ext uri="{D42A27DB-BD31-4B8C-83A1-F6EECF244321}">
-                <p14:modId xmlns:p14="http://schemas.microsoft.com/office/powerpoint/2010/main" val="2999625486"/>
+                <p14:modId xmlns:p14="http://schemas.microsoft.com/office/powerpoint/2010/main" val="1205163691"/>
               </p:ext>
             </p:extLst>
           </p:nvPr>
         </p:nvGraphicFramePr>
         <p:xfrm>
-          <a:off x="847603" y="4841544"/>
+          <a:off x="847603" y="4903120"/>
           <a:ext cx="4972490" cy="749599"/>
         </p:xfrm>
         <a:graphic>
@@ -3500,7 +3500,6 @@
                         <a:rPr lang="en-US" sz="600" dirty="0" smtClean="0"/>
                         <a:t>Station</a:t>
                       </a:r>
-                      <a:endParaRPr lang="en-US" sz="600" dirty="0" smtClean="0"/>
                     </a:p>
                   </a:txBody>
                   <a:tcPr anchor="ctr"/>
@@ -3513,11 +3512,7 @@
                       <a:pPr algn="ctr"/>
                       <a:r>
                         <a:rPr lang="en-US" sz="600" dirty="0" smtClean="0"/>
-                        <a:t>No. of </a:t>
-                      </a:r>
-                      <a:r>
-                        <a:rPr lang="en-US" sz="600" dirty="0" smtClean="0"/>
-                        <a:t>incidents</a:t>
+                        <a:t>No. of incidents</a:t>
                       </a:r>
                       <a:endParaRPr lang="en-US" sz="600" dirty="0"/>
                     </a:p>
@@ -3811,7 +3806,7 @@
         </p:blipFill>
         <p:spPr>
           <a:xfrm>
-            <a:off x="5834307" y="4841543"/>
+            <a:off x="5834307" y="4903119"/>
             <a:ext cx="211073" cy="2900989"/>
           </a:xfrm>
           <a:prstGeom prst="rect">
@@ -3968,13 +3963,13 @@
           <p:nvPr>
             <p:extLst>
               <p:ext uri="{D42A27DB-BD31-4B8C-83A1-F6EECF244321}">
-                <p14:modId xmlns:p14="http://schemas.microsoft.com/office/powerpoint/2010/main" val="2579606026"/>
+                <p14:modId xmlns:p14="http://schemas.microsoft.com/office/powerpoint/2010/main" val="2227432303"/>
               </p:ext>
             </p:extLst>
           </p:nvPr>
         </p:nvGraphicFramePr>
         <p:xfrm>
-          <a:off x="847603" y="7056733"/>
+          <a:off x="847603" y="7118309"/>
           <a:ext cx="4972490" cy="693684"/>
         </p:xfrm>
         <a:graphic>
@@ -4246,7 +4241,7 @@
         </p:nvSpPr>
         <p:spPr>
           <a:xfrm>
-            <a:off x="1254607" y="5603851"/>
+            <a:off x="1254607" y="5665427"/>
             <a:ext cx="4534699" cy="1392694"/>
           </a:xfrm>
           <a:prstGeom prst="rect">
@@ -4301,7 +4296,7 @@
         </p:blipFill>
         <p:spPr>
           <a:xfrm>
-            <a:off x="1612227" y="5983959"/>
+            <a:off x="1612227" y="6045535"/>
             <a:ext cx="3716085" cy="878907"/>
           </a:xfrm>
           <a:prstGeom prst="rect">
@@ -4317,7 +4312,7 @@
         </p:nvSpPr>
         <p:spPr>
           <a:xfrm>
-            <a:off x="1647299" y="6761108"/>
+            <a:off x="1647299" y="6822684"/>
             <a:ext cx="1278907" cy="152784"/>
           </a:xfrm>
           <a:prstGeom prst="rect">
@@ -4349,7 +4344,7 @@
         </p:nvSpPr>
         <p:spPr>
           <a:xfrm>
-            <a:off x="2971217" y="6761108"/>
+            <a:off x="2971217" y="6822684"/>
             <a:ext cx="2369123" cy="152784"/>
           </a:xfrm>
           <a:prstGeom prst="rect">
@@ -4394,7 +4389,7 @@
         </p:blipFill>
         <p:spPr>
           <a:xfrm>
-            <a:off x="2999005" y="6086938"/>
+            <a:off x="2999005" y="6148514"/>
             <a:ext cx="2124518" cy="634597"/>
           </a:xfrm>
           <a:prstGeom prst="rect">
@@ -4426,7 +4421,7 @@
         </p:blipFill>
         <p:spPr>
           <a:xfrm>
-            <a:off x="3323544" y="6142628"/>
+            <a:off x="3323544" y="6204204"/>
             <a:ext cx="1952943" cy="578906"/>
           </a:xfrm>
           <a:prstGeom prst="rect">
@@ -4442,7 +4437,7 @@
         </p:nvGrpSpPr>
         <p:grpSpPr>
           <a:xfrm>
-            <a:off x="4696195" y="6180948"/>
+            <a:off x="4696195" y="6242524"/>
             <a:ext cx="764509" cy="304041"/>
             <a:chOff x="5342961" y="2973366"/>
             <a:chExt cx="764509" cy="304041"/>
@@ -4616,7 +4611,7 @@
         </p:nvSpPr>
         <p:spPr>
           <a:xfrm>
-            <a:off x="2922209" y="5935212"/>
+            <a:off x="2922209" y="5996788"/>
             <a:ext cx="2585358" cy="200055"/>
           </a:xfrm>
           <a:prstGeom prst="rect">
@@ -4661,7 +4656,7 @@
         </p:blipFill>
         <p:spPr>
           <a:xfrm>
-            <a:off x="1612228" y="5983959"/>
+            <a:off x="1612228" y="6045535"/>
             <a:ext cx="1185564" cy="733171"/>
           </a:xfrm>
           <a:prstGeom prst="rect">
@@ -4694,7 +4689,7 @@
         </p:blipFill>
         <p:spPr>
           <a:xfrm>
-            <a:off x="1865516" y="6126208"/>
+            <a:off x="1865516" y="6187784"/>
             <a:ext cx="1232157" cy="594075"/>
           </a:xfrm>
           <a:prstGeom prst="rect">
@@ -4710,7 +4705,7 @@
         </p:nvSpPr>
         <p:spPr>
           <a:xfrm>
-            <a:off x="1254606" y="5601500"/>
+            <a:off x="1254606" y="5663076"/>
             <a:ext cx="4379576" cy="323165"/>
           </a:xfrm>
           <a:prstGeom prst="rect">
@@ -4734,11 +4729,7 @@
           <a:p>
             <a:r>
               <a:rPr lang="en-US" sz="700" noProof="1" smtClean="0"/>
-              <a:t>Alternative </a:t>
-            </a:r>
-            <a:r>
-              <a:rPr lang="en-US" sz="700" noProof="1" smtClean="0"/>
-              <a:t>fire station most likely to fill in: </a:t>
+              <a:t>Alternative fire station most likely to fill in: </a:t>
             </a:r>
             <a:r>
               <a:rPr lang="en-US" sz="700" b="1" noProof="1" smtClean="0"/>
@@ -4756,7 +4747,7 @@
         </p:nvSpPr>
         <p:spPr>
           <a:xfrm>
-            <a:off x="1646557" y="5930947"/>
+            <a:off x="1646557" y="5992523"/>
             <a:ext cx="1270339" cy="200055"/>
           </a:xfrm>
           <a:prstGeom prst="rect">
@@ -4788,7 +4779,7 @@
         </p:nvCxnSpPr>
         <p:spPr>
           <a:xfrm>
-            <a:off x="2029864" y="6099720"/>
+            <a:off x="2029864" y="6161296"/>
             <a:ext cx="0" cy="643580"/>
           </a:xfrm>
           <a:prstGeom prst="line">
@@ -4872,6 +4863,66 @@
                 <a:schemeClr val="tx1"/>
               </a:solidFill>
             </a:endParaRPr>
+          </a:p>
+        </p:txBody>
+      </p:sp>
+      <p:sp>
+        <p:nvSpPr>
+          <p:cNvPr id="52" name="TextBox 51"/>
+          <p:cNvSpPr txBox="1"/>
+          <p:nvPr/>
+        </p:nvSpPr>
+        <p:spPr>
+          <a:xfrm>
+            <a:off x="778330" y="4710767"/>
+            <a:ext cx="3878336" cy="215444"/>
+          </a:xfrm>
+          <a:prstGeom prst="rect">
+            <a:avLst/>
+          </a:prstGeom>
+          <a:noFill/>
+        </p:spPr>
+        <p:txBody>
+          <a:bodyPr wrap="square" rtlCol="0">
+            <a:spAutoFit/>
+          </a:bodyPr>
+          <a:lstStyle/>
+          <a:p>
+            <a:r>
+              <a:rPr lang="en-US" sz="800" noProof="1" smtClean="0"/>
+              <a:t>Order by: </a:t>
+            </a:r>
+            <a:r>
+              <a:rPr lang="en-US" sz="800" noProof="1" smtClean="0">
+                <a:latin typeface="Wingdings"/>
+                <a:ea typeface="Wingdings"/>
+                <a:cs typeface="Wingdings"/>
+                <a:sym typeface="Wingdings"/>
+              </a:rPr>
+              <a:t></a:t>
+            </a:r>
+            <a:r>
+              <a:rPr lang="en-US" sz="800" noProof="1" smtClean="0">
+                <a:sym typeface="Wingdings"/>
+              </a:rPr>
+              <a:t> name  </a:t>
+            </a:r>
+            <a:r>
+              <a:rPr lang="en-US" sz="800" noProof="1" smtClean="0">
+                <a:latin typeface="Wingdings"/>
+                <a:ea typeface="Wingdings"/>
+                <a:cs typeface="Wingdings"/>
+                <a:sym typeface="Wingdings"/>
+              </a:rPr>
+              <a:t></a:t>
+            </a:r>
+            <a:r>
+              <a:rPr lang="en-US" sz="800" noProof="1" smtClean="0">
+                <a:sym typeface="Wingdings"/>
+              </a:rPr>
+              <a:t> % of incidents attended within 6 minutes, descending</a:t>
+            </a:r>
+            <a:endParaRPr lang="en-US" sz="800" noProof="1"/>
           </a:p>
         </p:txBody>
       </p:sp>
